--- a/02 - Neural Network.pptx
+++ b/02 - Neural Network.pptx
@@ -6,7 +6,7 @@
     <p:sldMasterId id="2147483687" r:id="rId2"/>
   </p:sldMasterIdLst>
   <p:notesMasterIdLst>
-    <p:notesMasterId r:id="rId39"/>
+    <p:notesMasterId r:id="rId40"/>
   </p:notesMasterIdLst>
   <p:sldIdLst>
     <p:sldId id="256" r:id="rId3"/>
@@ -25,53 +25,54 @@
     <p:sldId id="322" r:id="rId16"/>
     <p:sldId id="323" r:id="rId17"/>
     <p:sldId id="327" r:id="rId18"/>
-    <p:sldId id="297" r:id="rId19"/>
-    <p:sldId id="298" r:id="rId20"/>
-    <p:sldId id="299" r:id="rId21"/>
-    <p:sldId id="300" r:id="rId22"/>
-    <p:sldId id="301" r:id="rId23"/>
-    <p:sldId id="302" r:id="rId24"/>
-    <p:sldId id="328" r:id="rId25"/>
-    <p:sldId id="313" r:id="rId26"/>
-    <p:sldId id="314" r:id="rId27"/>
-    <p:sldId id="315" r:id="rId28"/>
-    <p:sldId id="278" r:id="rId29"/>
-    <p:sldId id="279" r:id="rId30"/>
-    <p:sldId id="280" r:id="rId31"/>
-    <p:sldId id="281" r:id="rId32"/>
-    <p:sldId id="282" r:id="rId33"/>
-    <p:sldId id="329" r:id="rId34"/>
-    <p:sldId id="330" r:id="rId35"/>
-    <p:sldId id="331" r:id="rId36"/>
-    <p:sldId id="332" r:id="rId37"/>
-    <p:sldId id="333" r:id="rId38"/>
+    <p:sldId id="334" r:id="rId19"/>
+    <p:sldId id="297" r:id="rId20"/>
+    <p:sldId id="298" r:id="rId21"/>
+    <p:sldId id="299" r:id="rId22"/>
+    <p:sldId id="300" r:id="rId23"/>
+    <p:sldId id="301" r:id="rId24"/>
+    <p:sldId id="302" r:id="rId25"/>
+    <p:sldId id="328" r:id="rId26"/>
+    <p:sldId id="313" r:id="rId27"/>
+    <p:sldId id="314" r:id="rId28"/>
+    <p:sldId id="315" r:id="rId29"/>
+    <p:sldId id="278" r:id="rId30"/>
+    <p:sldId id="279" r:id="rId31"/>
+    <p:sldId id="280" r:id="rId32"/>
+    <p:sldId id="281" r:id="rId33"/>
+    <p:sldId id="282" r:id="rId34"/>
+    <p:sldId id="329" r:id="rId35"/>
+    <p:sldId id="330" r:id="rId36"/>
+    <p:sldId id="331" r:id="rId37"/>
+    <p:sldId id="332" r:id="rId38"/>
+    <p:sldId id="333" r:id="rId39"/>
   </p:sldIdLst>
   <p:sldSz cx="9144000" cy="5143500" type="screen16x9"/>
   <p:notesSz cx="6858000" cy="9144000"/>
   <p:embeddedFontLst>
     <p:embeddedFont>
       <p:font typeface="Helvetica Neue" charset="0"/>
-      <p:regular r:id="rId40"/>
-      <p:bold r:id="rId41"/>
-      <p:italic r:id="rId42"/>
-      <p:boldItalic r:id="rId43"/>
+      <p:regular r:id="rId41"/>
+      <p:bold r:id="rId42"/>
+      <p:italic r:id="rId43"/>
+      <p:boldItalic r:id="rId44"/>
     </p:embeddedFont>
     <p:embeddedFont>
       <p:font typeface="微軟正黑體" pitchFamily="34" charset="-120"/>
-      <p:regular r:id="rId44"/>
-      <p:bold r:id="rId45"/>
+      <p:regular r:id="rId45"/>
+      <p:bold r:id="rId46"/>
     </p:embeddedFont>
     <p:embeddedFont>
       <p:font typeface="Gill Sans" charset="0"/>
-      <p:regular r:id="rId46"/>
-      <p:bold r:id="rId47"/>
+      <p:regular r:id="rId47"/>
+      <p:bold r:id="rId48"/>
     </p:embeddedFont>
     <p:embeddedFont>
       <p:font typeface="Helvetica Neue Light" charset="0"/>
-      <p:regular r:id="rId48"/>
-      <p:bold r:id="rId49"/>
-      <p:italic r:id="rId50"/>
-      <p:boldItalic r:id="rId51"/>
+      <p:regular r:id="rId49"/>
+      <p:bold r:id="rId50"/>
+      <p:italic r:id="rId51"/>
+      <p:boldItalic r:id="rId52"/>
     </p:embeddedFont>
   </p:embeddedFontLst>
   <p:defaultTextStyle>
@@ -24123,7 +24124,7 @@
         <p:spPr>
           <a:xfrm>
             <a:off x="1475656" y="1419622"/>
-            <a:ext cx="6408712" cy="3416320"/>
+            <a:ext cx="6408712" cy="3170099"/>
           </a:xfrm>
           <a:prstGeom prst="rect">
             <a:avLst/>
@@ -24140,27 +24141,34 @@
               <a:buChar char="•"/>
             </a:pPr>
             <a:r>
-              <a:rPr lang="zh-TW" altLang="en-US" sz="1800" b="1" dirty="0" smtClean="0">
+              <a:rPr lang="zh-TW" altLang="en-US" sz="2000" b="1" dirty="0" smtClean="0">
                 <a:latin typeface="微軟正黑體" pitchFamily="34" charset="-120"/>
                 <a:ea typeface="微軟正黑體" pitchFamily="34" charset="-120"/>
               </a:rPr>
               <a:t>又稱</a:t>
             </a:r>
             <a:r>
-              <a:rPr lang="en-US" altLang="zh-TW" sz="1800" b="1" dirty="0" smtClean="0">
+              <a:rPr lang="en-US" altLang="zh-TW" sz="2000" b="1" dirty="0" smtClean="0">
                 <a:latin typeface="微軟正黑體" pitchFamily="34" charset="-120"/>
                 <a:ea typeface="微軟正黑體" pitchFamily="34" charset="-120"/>
               </a:rPr>
               <a:t>Artificial Neural Network(ANN)</a:t>
             </a:r>
             <a:r>
-              <a:rPr lang="zh-TW" altLang="en-US" sz="1800" b="1" dirty="0" smtClean="0">
+              <a:rPr lang="zh-TW" altLang="en-US" sz="2000" b="1" dirty="0" smtClean="0">
                 <a:latin typeface="微軟正黑體" pitchFamily="34" charset="-120"/>
                 <a:ea typeface="微軟正黑體" pitchFamily="34" charset="-120"/>
               </a:rPr>
-              <a:t>，類神經網路，人工神經網路</a:t>
-            </a:r>
-            <a:endParaRPr lang="en-US" altLang="zh-TW" sz="1800" b="1" dirty="0" smtClean="0">
+              <a:t>，類神經網路</a:t>
+            </a:r>
+            <a:r>
+              <a:rPr lang="zh-TW" altLang="en-US" sz="2000" b="1" dirty="0" smtClean="0">
+                <a:latin typeface="微軟正黑體" pitchFamily="34" charset="-120"/>
+                <a:ea typeface="微軟正黑體" pitchFamily="34" charset="-120"/>
+              </a:rPr>
+              <a:t>，</a:t>
+            </a:r>
+            <a:endParaRPr lang="en-US" altLang="zh-TW" sz="2000" b="1" dirty="0" smtClean="0">
               <a:latin typeface="微軟正黑體" pitchFamily="34" charset="-120"/>
               <a:ea typeface="微軟正黑體" pitchFamily="34" charset="-120"/>
             </a:endParaRPr>
@@ -24171,13 +24179,20 @@
               <a:buChar char="•"/>
             </a:pPr>
             <a:r>
-              <a:rPr lang="zh-TW" altLang="en-US" sz="1800" b="1" dirty="0" smtClean="0">
+              <a:rPr lang="zh-TW" altLang="en-US" sz="2000" b="1" dirty="0" smtClean="0">
                 <a:latin typeface="微軟正黑體" pitchFamily="34" charset="-120"/>
                 <a:ea typeface="微軟正黑體" pitchFamily="34" charset="-120"/>
               </a:rPr>
-              <a:t>模仿生物大腦結構</a:t>
-            </a:r>
-            <a:endParaRPr lang="en-US" altLang="zh-TW" sz="1800" b="1" dirty="0" smtClean="0">
+              <a:t>人工</a:t>
+            </a:r>
+            <a:r>
+              <a:rPr lang="zh-TW" altLang="en-US" sz="2000" b="1" dirty="0" smtClean="0">
+                <a:latin typeface="微軟正黑體" pitchFamily="34" charset="-120"/>
+                <a:ea typeface="微軟正黑體" pitchFamily="34" charset="-120"/>
+              </a:rPr>
+              <a:t>神經網路</a:t>
+            </a:r>
+            <a:endParaRPr lang="en-US" altLang="zh-TW" sz="2000" b="1" dirty="0" smtClean="0">
               <a:latin typeface="微軟正黑體" pitchFamily="34" charset="-120"/>
               <a:ea typeface="微軟正黑體" pitchFamily="34" charset="-120"/>
             </a:endParaRPr>
@@ -24188,13 +24203,13 @@
               <a:buChar char="•"/>
             </a:pPr>
             <a:r>
-              <a:rPr lang="zh-TW" altLang="en-US" sz="1800" b="1" dirty="0" smtClean="0">
+              <a:rPr lang="zh-TW" altLang="en-US" sz="2000" b="1" dirty="0" smtClean="0">
                 <a:latin typeface="微軟正黑體" pitchFamily="34" charset="-120"/>
                 <a:ea typeface="微軟正黑體" pitchFamily="34" charset="-120"/>
               </a:rPr>
-              <a:t>數學或計算模型</a:t>
-            </a:r>
-            <a:endParaRPr lang="en-US" altLang="zh-TW" sz="1800" b="1" dirty="0" smtClean="0">
+              <a:t>模仿生物大腦結構</a:t>
+            </a:r>
+            <a:endParaRPr lang="en-US" altLang="zh-TW" sz="2000" b="1" dirty="0" smtClean="0">
               <a:latin typeface="微軟正黑體" pitchFamily="34" charset="-120"/>
               <a:ea typeface="微軟正黑體" pitchFamily="34" charset="-120"/>
             </a:endParaRPr>
@@ -24205,13 +24220,13 @@
               <a:buChar char="•"/>
             </a:pPr>
             <a:r>
-              <a:rPr lang="zh-TW" altLang="en-US" sz="1800" b="1" dirty="0" smtClean="0">
+              <a:rPr lang="zh-TW" altLang="en-US" sz="2000" b="1" dirty="0" smtClean="0">
                 <a:latin typeface="微軟正黑體" pitchFamily="34" charset="-120"/>
                 <a:ea typeface="微軟正黑體" pitchFamily="34" charset="-120"/>
               </a:rPr>
-              <a:t>對函數取估計或近似值</a:t>
-            </a:r>
-            <a:endParaRPr lang="en-US" altLang="zh-TW" sz="1800" b="1" dirty="0" smtClean="0">
+              <a:t>數學或計算模型</a:t>
+            </a:r>
+            <a:endParaRPr lang="en-US" altLang="zh-TW" sz="2000" b="1" dirty="0" smtClean="0">
               <a:latin typeface="微軟正黑體" pitchFamily="34" charset="-120"/>
               <a:ea typeface="微軟正黑體" pitchFamily="34" charset="-120"/>
             </a:endParaRPr>
@@ -24222,13 +24237,13 @@
               <a:buChar char="•"/>
             </a:pPr>
             <a:r>
-              <a:rPr lang="zh-TW" altLang="en-US" sz="1800" b="1" dirty="0" smtClean="0">
+              <a:rPr lang="zh-TW" altLang="en-US" sz="2000" b="1" dirty="0" smtClean="0">
                 <a:latin typeface="微軟正黑體" pitchFamily="34" charset="-120"/>
                 <a:ea typeface="微軟正黑體" pitchFamily="34" charset="-120"/>
               </a:rPr>
-              <a:t>由大量神經元互相連接組成</a:t>
-            </a:r>
-            <a:endParaRPr lang="en-US" altLang="zh-TW" sz="1800" b="1" dirty="0" smtClean="0">
+              <a:t>對函數取估計或近似值</a:t>
+            </a:r>
+            <a:endParaRPr lang="en-US" altLang="zh-TW" sz="2000" b="1" dirty="0" smtClean="0">
               <a:latin typeface="微軟正黑體" pitchFamily="34" charset="-120"/>
               <a:ea typeface="微軟正黑體" pitchFamily="34" charset="-120"/>
             </a:endParaRPr>
@@ -24239,13 +24254,13 @@
               <a:buChar char="•"/>
             </a:pPr>
             <a:r>
-              <a:rPr lang="zh-TW" altLang="en-US" sz="1800" b="1" dirty="0" smtClean="0">
+              <a:rPr lang="zh-TW" altLang="en-US" sz="2000" b="1" dirty="0" smtClean="0">
                 <a:latin typeface="微軟正黑體" pitchFamily="34" charset="-120"/>
                 <a:ea typeface="微軟正黑體" pitchFamily="34" charset="-120"/>
               </a:rPr>
-              <a:t>用外部的資料改變內部結構</a:t>
-            </a:r>
-            <a:endParaRPr lang="en-US" altLang="zh-TW" sz="1800" b="1" dirty="0" smtClean="0">
+              <a:t>由大量神經元互相連接組成</a:t>
+            </a:r>
+            <a:endParaRPr lang="en-US" altLang="zh-TW" sz="2000" b="1" dirty="0" smtClean="0">
               <a:latin typeface="微軟正黑體" pitchFamily="34" charset="-120"/>
               <a:ea typeface="微軟正黑體" pitchFamily="34" charset="-120"/>
             </a:endParaRPr>
@@ -24256,13 +24271,13 @@
               <a:buChar char="•"/>
             </a:pPr>
             <a:r>
-              <a:rPr lang="zh-TW" altLang="en-US" sz="1800" b="1" dirty="0" smtClean="0">
+              <a:rPr lang="zh-TW" altLang="en-US" sz="2000" b="1" dirty="0" smtClean="0">
                 <a:latin typeface="微軟正黑體" pitchFamily="34" charset="-120"/>
                 <a:ea typeface="微軟正黑體" pitchFamily="34" charset="-120"/>
               </a:rPr>
-              <a:t>為一自適應系統，即具備學習能力</a:t>
-            </a:r>
-            <a:endParaRPr lang="en-US" altLang="zh-TW" sz="1800" b="1" dirty="0" smtClean="0">
+              <a:t>用外部的資料改變內部結構</a:t>
+            </a:r>
+            <a:endParaRPr lang="en-US" altLang="zh-TW" sz="2000" b="1" dirty="0" smtClean="0">
               <a:latin typeface="微軟正黑體" pitchFamily="34" charset="-120"/>
               <a:ea typeface="微軟正黑體" pitchFamily="34" charset="-120"/>
             </a:endParaRPr>
@@ -24273,13 +24288,13 @@
               <a:buChar char="•"/>
             </a:pPr>
             <a:r>
-              <a:rPr lang="zh-TW" altLang="en-US" sz="1800" b="1" dirty="0" smtClean="0">
+              <a:rPr lang="zh-TW" altLang="en-US" sz="2000" b="1" dirty="0" smtClean="0">
                 <a:latin typeface="微軟正黑體" pitchFamily="34" charset="-120"/>
                 <a:ea typeface="微軟正黑體" pitchFamily="34" charset="-120"/>
               </a:rPr>
-              <a:t>近幾年已放棄模擬生物學</a:t>
-            </a:r>
-            <a:endParaRPr lang="en-US" altLang="zh-TW" sz="1800" b="1" dirty="0" smtClean="0">
+              <a:t>為一自適應系統，即具備學習能力</a:t>
+            </a:r>
+            <a:endParaRPr lang="en-US" altLang="zh-TW" sz="2000" b="1" dirty="0" smtClean="0">
               <a:latin typeface="微軟正黑體" pitchFamily="34" charset="-120"/>
               <a:ea typeface="微軟正黑體" pitchFamily="34" charset="-120"/>
             </a:endParaRPr>
@@ -24290,27 +24305,37 @@
               <a:buChar char="•"/>
             </a:pPr>
             <a:r>
-              <a:rPr lang="zh-TW" altLang="en-US" sz="1800" b="1" dirty="0" smtClean="0">
+              <a:rPr lang="zh-TW" altLang="en-US" sz="2000" b="1" dirty="0" smtClean="0">
                 <a:latin typeface="微軟正黑體" pitchFamily="34" charset="-120"/>
                 <a:ea typeface="微軟正黑體" pitchFamily="34" charset="-120"/>
               </a:rPr>
-              <a:t>使用統計和訊號處理方法</a:t>
-            </a:r>
-            <a:endParaRPr lang="en-US" altLang="zh-TW" sz="1800" b="1" dirty="0" smtClean="0">
+              <a:t>近幾年已放棄模擬生物學</a:t>
+            </a:r>
+            <a:endParaRPr lang="en-US" altLang="zh-TW" sz="2000" b="1" dirty="0" smtClean="0">
               <a:latin typeface="微軟正黑體" pitchFamily="34" charset="-120"/>
               <a:ea typeface="微軟正黑體" pitchFamily="34" charset="-120"/>
             </a:endParaRPr>
           </a:p>
           <a:p>
-            <a:pPr marL="182563" indent="-182563"/>
-            <a:endParaRPr lang="en-US" altLang="zh-TW" sz="1800" b="1" dirty="0" smtClean="0">
-              <a:latin typeface="微軟正黑體" pitchFamily="34" charset="-120"/>
-              <a:ea typeface="微軟正黑體" pitchFamily="34" charset="-120"/>
-            </a:endParaRPr>
-          </a:p>
-          <a:p>
-            <a:pPr marL="182563" indent="-182563"/>
-            <a:endParaRPr lang="zh-TW" altLang="en-US" sz="1800" b="1" dirty="0">
+            <a:pPr marL="182563" indent="-182563">
+              <a:buFont typeface="Arial" pitchFamily="34" charset="0"/>
+              <a:buChar char="•"/>
+            </a:pPr>
+            <a:r>
+              <a:rPr lang="zh-TW" altLang="en-US" sz="2000" b="1" dirty="0" smtClean="0">
+                <a:latin typeface="微軟正黑體" pitchFamily="34" charset="-120"/>
+                <a:ea typeface="微軟正黑體" pitchFamily="34" charset="-120"/>
+              </a:rPr>
+              <a:t>使用統計和訊號處理</a:t>
+            </a:r>
+            <a:r>
+              <a:rPr lang="zh-TW" altLang="en-US" sz="2000" b="1" dirty="0" smtClean="0">
+                <a:latin typeface="微軟正黑體" pitchFamily="34" charset="-120"/>
+                <a:ea typeface="微軟正黑體" pitchFamily="34" charset="-120"/>
+              </a:rPr>
+              <a:t>方法</a:t>
+            </a:r>
+            <a:endParaRPr lang="zh-TW" altLang="en-US" sz="2000" b="1" dirty="0">
               <a:latin typeface="微軟正黑體" pitchFamily="34" charset="-120"/>
               <a:ea typeface="微軟正黑體" pitchFamily="34" charset="-120"/>
             </a:endParaRPr>
@@ -24835,7 +24860,7 @@
   <p:cSld>
     <p:spTree>
       <p:nvGrpSpPr>
-        <p:cNvPr id="1" name="Shape 226"/>
+        <p:cNvPr id="1" name=""/>
         <p:cNvGrpSpPr/>
         <p:nvPr/>
       </p:nvGrpSpPr>
@@ -24849,8 +24874,8 @@
       </p:grpSpPr>
       <p:sp>
         <p:nvSpPr>
-          <p:cNvPr id="227" name="Google Shape;227;p48"/>
-          <p:cNvSpPr txBox="1">
+          <p:cNvPr id="2" name="標題 1"/>
+          <p:cNvSpPr>
             <a:spLocks noGrp="1"/>
           </p:cNvSpPr>
           <p:nvPr>
@@ -24859,143 +24884,32 @@
         </p:nvSpPr>
         <p:spPr>
           <a:xfrm>
-            <a:off x="467544" y="136465"/>
-            <a:ext cx="8280900" cy="1239000"/>
+            <a:off x="467544" y="195486"/>
+            <a:ext cx="8280900" cy="964500"/>
           </a:xfrm>
-          <a:prstGeom prst="rect">
-            <a:avLst/>
-          </a:prstGeom>
-          <a:noFill/>
-          <a:ln>
-            <a:noFill/>
-          </a:ln>
         </p:spPr>
         <p:txBody>
-          <a:bodyPr spcFirstLastPara="1" wrap="square" lIns="20100" tIns="20100" rIns="20100" bIns="20100" anchor="ctr" anchorCtr="0">
-            <a:noAutofit/>
-          </a:bodyPr>
+          <a:bodyPr/>
           <a:lstStyle/>
           <a:p>
-            <a:pPr marL="0" marR="0" lvl="0" indent="0" algn="ctr" rtl="0">
-              <a:lnSpc>
-                <a:spcPct val="100000"/>
-              </a:lnSpc>
-              <a:spcBef>
-                <a:spcPts val="0"/>
-              </a:spcBef>
-              <a:spcAft>
-                <a:spcPts val="0"/>
-              </a:spcAft>
-              <a:buClr>
-                <a:srgbClr val="000000"/>
-              </a:buClr>
-              <a:buFont typeface="Gill Sans"/>
-              <a:buNone/>
-            </a:pPr>
-            <a:r>
-              <a:rPr lang="zh-TW" altLang="en-US" b="1" dirty="0" smtClean="0">
-                <a:solidFill>
-                  <a:srgbClr val="0070C0"/>
-                </a:solidFill>
-                <a:latin typeface="微軟正黑體" pitchFamily="34" charset="-120"/>
-                <a:ea typeface="微軟正黑體" pitchFamily="34" charset="-120"/>
-              </a:rPr>
-              <a:t>週六的五月天演唱會</a:t>
-            </a:r>
-            <a:endParaRPr b="1" dirty="0">
-              <a:solidFill>
-                <a:srgbClr val="0070C0"/>
-              </a:solidFill>
-              <a:latin typeface="微軟正黑體" pitchFamily="34" charset="-120"/>
-              <a:ea typeface="微軟正黑體" pitchFamily="34" charset="-120"/>
-            </a:endParaRPr>
-          </a:p>
-        </p:txBody>
-      </p:sp>
-      <p:sp>
-        <p:nvSpPr>
-          <p:cNvPr id="6" name="矩形 5"/>
-          <p:cNvSpPr/>
-          <p:nvPr/>
-        </p:nvSpPr>
-        <p:spPr>
-          <a:xfrm>
-            <a:off x="1763688" y="1635646"/>
-            <a:ext cx="6192688" cy="1015663"/>
-          </a:xfrm>
-          <a:prstGeom prst="rect">
-            <a:avLst/>
-          </a:prstGeom>
-        </p:spPr>
-        <p:txBody>
-          <a:bodyPr wrap="square">
-            <a:spAutoFit/>
-          </a:bodyPr>
-          <a:lstStyle/>
-          <a:p>
-            <a:r>
-              <a:rPr lang="zh-TW" altLang="en-US" sz="2000" b="1" dirty="0" smtClean="0">
-                <a:latin typeface="微軟正黑體" pitchFamily="34" charset="-120"/>
-                <a:ea typeface="微軟正黑體" pitchFamily="34" charset="-120"/>
-              </a:rPr>
-              <a:t>天氣？</a:t>
-            </a:r>
-            <a:r>
-              <a:rPr lang="en-US" altLang="zh-TW" sz="2000" b="1" dirty="0" smtClean="0">
-                <a:latin typeface="微軟正黑體" pitchFamily="34" charset="-120"/>
-                <a:ea typeface="微軟正黑體" pitchFamily="34" charset="-120"/>
-              </a:rPr>
-              <a:t>(x1)</a:t>
-            </a:r>
-          </a:p>
-          <a:p>
-            <a:r>
-              <a:rPr lang="zh-TW" altLang="en-US" sz="2000" b="1" dirty="0" smtClean="0">
-                <a:latin typeface="微軟正黑體" pitchFamily="34" charset="-120"/>
-                <a:ea typeface="微軟正黑體" pitchFamily="34" charset="-120"/>
-              </a:rPr>
-              <a:t>有人陪？</a:t>
-            </a:r>
-            <a:r>
-              <a:rPr lang="en-US" altLang="zh-TW" sz="2000" b="1" dirty="0" smtClean="0">
-                <a:latin typeface="微軟正黑體" pitchFamily="34" charset="-120"/>
-                <a:ea typeface="微軟正黑體" pitchFamily="34" charset="-120"/>
-              </a:rPr>
-              <a:t>(x2)</a:t>
-            </a:r>
-          </a:p>
-          <a:p>
-            <a:r>
-              <a:rPr lang="zh-TW" altLang="en-US" sz="2000" b="1" dirty="0" smtClean="0">
-                <a:latin typeface="微軟正黑體" pitchFamily="34" charset="-120"/>
-                <a:ea typeface="微軟正黑體" pitchFamily="34" charset="-120"/>
-              </a:rPr>
-              <a:t>場地？</a:t>
-            </a:r>
-            <a:r>
-              <a:rPr lang="en-US" altLang="zh-TW" sz="2000" b="1" dirty="0" smtClean="0">
-                <a:latin typeface="微軟正黑體" pitchFamily="34" charset="-120"/>
-                <a:ea typeface="微軟正黑體" pitchFamily="34" charset="-120"/>
-              </a:rPr>
-              <a:t>(x3)</a:t>
-            </a:r>
-            <a:endParaRPr lang="zh-TW" altLang="en-US" sz="2000" b="1" dirty="0">
-              <a:latin typeface="微軟正黑體" pitchFamily="34" charset="-120"/>
-              <a:ea typeface="微軟正黑體" pitchFamily="34" charset="-120"/>
-            </a:endParaRPr>
+            <a:r>
+              <a:rPr lang="en-US" altLang="zh-TW" dirty="0" smtClean="0"/>
+              <a:t>For every neuron</a:t>
+            </a:r>
+            <a:endParaRPr lang="zh-TW" altLang="en-US" dirty="0"/>
           </a:p>
         </p:txBody>
       </p:sp>
       <p:pic>
         <p:nvPicPr>
-          <p:cNvPr id="7" name="Picture 2"/>
+          <p:cNvPr id="5" name="Picture 2"/>
           <p:cNvPicPr>
             <a:picLocks noChangeAspect="1" noChangeArrowheads="1"/>
           </p:cNvPicPr>
           <p:nvPr/>
         </p:nvPicPr>
         <p:blipFill>
-          <a:blip r:embed="rId3"/>
+          <a:blip r:embed="rId2"/>
           <a:srcRect/>
           <a:stretch>
             <a:fillRect/>
@@ -25003,8 +24917,8 @@
         </p:blipFill>
         <p:spPr bwMode="auto">
           <a:xfrm>
-            <a:off x="3275856" y="3363838"/>
-            <a:ext cx="2933379" cy="1152128"/>
+            <a:off x="2339752" y="1347614"/>
+            <a:ext cx="4748832" cy="2952328"/>
           </a:xfrm>
           <a:prstGeom prst="rect">
             <a:avLst/>
@@ -25116,8 +25030,8 @@
         </p:nvSpPr>
         <p:spPr>
           <a:xfrm>
-            <a:off x="1763688" y="1923678"/>
-            <a:ext cx="6192688" cy="2246769"/>
+            <a:off x="1763688" y="1635646"/>
+            <a:ext cx="6192688" cy="1015663"/>
           </a:xfrm>
           <a:prstGeom prst="rect">
             <a:avLst/>
@@ -25175,60 +25089,6 @@
               </a:rPr>
               <a:t>(x3)</a:t>
             </a:r>
-          </a:p>
-          <a:p>
-            <a:endParaRPr lang="en-US" altLang="zh-TW" sz="2000" b="1" dirty="0" smtClean="0">
-              <a:latin typeface="微軟正黑體" pitchFamily="34" charset="-120"/>
-              <a:ea typeface="微軟正黑體" pitchFamily="34" charset="-120"/>
-            </a:endParaRPr>
-          </a:p>
-          <a:p>
-            <a:r>
-              <a:rPr lang="zh-TW" altLang="en-US" sz="2000" b="1" dirty="0" smtClean="0">
-                <a:latin typeface="微軟正黑體" pitchFamily="34" charset="-120"/>
-                <a:ea typeface="微軟正黑體" pitchFamily="34" charset="-120"/>
-              </a:rPr>
-              <a:t>天氣好壞都可以 </a:t>
-            </a:r>
-            <a:r>
-              <a:rPr lang="en-US" altLang="zh-TW" sz="2000" b="1" dirty="0" smtClean="0">
-                <a:latin typeface="微軟正黑體" pitchFamily="34" charset="-120"/>
-                <a:ea typeface="微軟正黑體" pitchFamily="34" charset="-120"/>
-              </a:rPr>
-              <a:t>(w1)</a:t>
-            </a:r>
-          </a:p>
-          <a:p>
-            <a:r>
-              <a:rPr lang="zh-TW" altLang="en-US" sz="2000" b="1" dirty="0" smtClean="0">
-                <a:latin typeface="微軟正黑體" pitchFamily="34" charset="-120"/>
-                <a:ea typeface="微軟正黑體" pitchFamily="34" charset="-120"/>
-              </a:rPr>
-              <a:t>一定要人陪</a:t>
-            </a:r>
-            <a:r>
-              <a:rPr lang="en-US" altLang="zh-TW" sz="2000" b="1" dirty="0" smtClean="0">
-                <a:latin typeface="微軟正黑體" pitchFamily="34" charset="-120"/>
-                <a:ea typeface="微軟正黑體" pitchFamily="34" charset="-120"/>
-              </a:rPr>
-              <a:t>(w2)</a:t>
-            </a:r>
-          </a:p>
-          <a:p>
-            <a:r>
-              <a:rPr lang="zh-TW" altLang="en-US" sz="2000" b="1" dirty="0" smtClean="0">
-                <a:latin typeface="微軟正黑體" pitchFamily="34" charset="-120"/>
-                <a:ea typeface="微軟正黑體" pitchFamily="34" charset="-120"/>
-              </a:rPr>
-              <a:t>最好有捷運到，我沒車</a:t>
-            </a:r>
-            <a:r>
-              <a:rPr lang="en-US" altLang="zh-TW" sz="2000" b="1" dirty="0" smtClean="0">
-                <a:latin typeface="微軟正黑體" pitchFamily="34" charset="-120"/>
-                <a:ea typeface="微軟正黑體" pitchFamily="34" charset="-120"/>
-              </a:rPr>
-              <a:t>(w3)</a:t>
-            </a:r>
             <a:endParaRPr lang="zh-TW" altLang="en-US" sz="2000" b="1" dirty="0">
               <a:latin typeface="微軟正黑體" pitchFamily="34" charset="-120"/>
               <a:ea typeface="微軟正黑體" pitchFamily="34" charset="-120"/>
@@ -25238,7 +25098,7 @@
       </p:sp>
       <p:pic>
         <p:nvPicPr>
-          <p:cNvPr id="4" name="Picture 2"/>
+          <p:cNvPr id="7" name="Picture 2"/>
           <p:cNvPicPr>
             <a:picLocks noChangeAspect="1" noChangeArrowheads="1"/>
           </p:cNvPicPr>
@@ -25253,7 +25113,7 @@
         </p:blipFill>
         <p:spPr bwMode="auto">
           <a:xfrm>
-            <a:off x="6012160" y="1203598"/>
+            <a:off x="3275856" y="3363838"/>
             <a:ext cx="2933379" cy="1152128"/>
           </a:xfrm>
           <a:prstGeom prst="rect">
@@ -25366,8 +25226,8 @@
         </p:nvSpPr>
         <p:spPr>
           <a:xfrm>
-            <a:off x="1835696" y="1635646"/>
-            <a:ext cx="6192688" cy="2862322"/>
+            <a:off x="1763688" y="1923678"/>
+            <a:ext cx="6192688" cy="2246769"/>
           </a:xfrm>
           <a:prstGeom prst="rect">
             <a:avLst/>
@@ -25425,10 +25285,6 @@
               </a:rPr>
               <a:t>(x3)</a:t>
             </a:r>
-            <a:endParaRPr lang="zh-TW" altLang="en-US" sz="2000" b="1" dirty="0" smtClean="0">
-              <a:latin typeface="微軟正黑體" pitchFamily="34" charset="-120"/>
-              <a:ea typeface="微軟正黑體" pitchFamily="34" charset="-120"/>
-            </a:endParaRPr>
           </a:p>
           <a:p>
             <a:endParaRPr lang="en-US" altLang="zh-TW" sz="2000" b="1" dirty="0" smtClean="0">
@@ -25442,7 +25298,7 @@
                 <a:latin typeface="微軟正黑體" pitchFamily="34" charset="-120"/>
                 <a:ea typeface="微軟正黑體" pitchFamily="34" charset="-120"/>
               </a:rPr>
-              <a:t>天氣好 </a:t>
+              <a:t>天氣好壞都可以 </a:t>
             </a:r>
             <a:r>
               <a:rPr lang="en-US" altLang="zh-TW" sz="2000" b="1" dirty="0" smtClean="0">
@@ -25458,7 +25314,7 @@
                 <a:latin typeface="微軟正黑體" pitchFamily="34" charset="-120"/>
                 <a:ea typeface="微軟正黑體" pitchFamily="34" charset="-120"/>
               </a:rPr>
-              <a:t>有人陪</a:t>
+              <a:t>一定要人陪</a:t>
             </a:r>
             <a:r>
               <a:rPr lang="en-US" altLang="zh-TW" sz="2000" b="1" dirty="0" smtClean="0">
@@ -25474,7 +25330,7 @@
                 <a:latin typeface="微軟正黑體" pitchFamily="34" charset="-120"/>
                 <a:ea typeface="微軟正黑體" pitchFamily="34" charset="-120"/>
               </a:rPr>
-              <a:t>有捷運的場地</a:t>
+              <a:t>最好有捷運到，我沒車</a:t>
             </a:r>
             <a:r>
               <a:rPr lang="en-US" altLang="zh-TW" sz="2000" b="1" dirty="0" smtClean="0">
@@ -25482,45 +25338,6 @@
                 <a:ea typeface="微軟正黑體" pitchFamily="34" charset="-120"/>
               </a:rPr>
               <a:t>(w3)</a:t>
-            </a:r>
-          </a:p>
-          <a:p>
-            <a:endParaRPr lang="en-US" altLang="zh-TW" sz="2000" b="1" dirty="0" smtClean="0">
-              <a:latin typeface="微軟正黑體" pitchFamily="34" charset="-120"/>
-              <a:ea typeface="微軟正黑體" pitchFamily="34" charset="-120"/>
-            </a:endParaRPr>
-          </a:p>
-          <a:p>
-            <a:r>
-              <a:rPr lang="zh-TW" altLang="en-US" sz="2000" b="1" dirty="0" smtClean="0">
-                <a:latin typeface="微軟正黑體" pitchFamily="34" charset="-120"/>
-                <a:ea typeface="微軟正黑體" pitchFamily="34" charset="-120"/>
-              </a:rPr>
-              <a:t>總分超過</a:t>
-            </a:r>
-            <a:r>
-              <a:rPr lang="en-US" altLang="zh-TW" sz="2000" b="1" dirty="0" smtClean="0">
-                <a:solidFill>
-                  <a:srgbClr val="FF0000"/>
-                </a:solidFill>
-                <a:latin typeface="微軟正黑體" pitchFamily="34" charset="-120"/>
-                <a:ea typeface="微軟正黑體" pitchFamily="34" charset="-120"/>
-              </a:rPr>
-              <a:t>10</a:t>
-            </a:r>
-            <a:r>
-              <a:rPr lang="zh-TW" altLang="en-US" sz="2000" b="1" dirty="0" smtClean="0">
-                <a:latin typeface="微軟正黑體" pitchFamily="34" charset="-120"/>
-                <a:ea typeface="微軟正黑體" pitchFamily="34" charset="-120"/>
-              </a:rPr>
-              <a:t>分我才會去</a:t>
-            </a:r>
-            <a:r>
-              <a:rPr lang="en-US" altLang="zh-TW" sz="2000" b="1" dirty="0" smtClean="0">
-                <a:latin typeface="微軟正黑體" pitchFamily="34" charset="-120"/>
-                <a:ea typeface="微軟正黑體" pitchFamily="34" charset="-120"/>
-              </a:rPr>
-              <a:t>(b)</a:t>
             </a:r>
             <a:endParaRPr lang="zh-TW" altLang="en-US" sz="2000" b="1" dirty="0">
               <a:latin typeface="微軟正黑體" pitchFamily="34" charset="-120"/>
@@ -25973,8 +25790,8 @@
         </p:nvSpPr>
         <p:spPr>
           <a:xfrm>
-            <a:off x="1835696" y="1491630"/>
-            <a:ext cx="6192688" cy="3477875"/>
+            <a:off x="1835696" y="1635646"/>
+            <a:ext cx="6192688" cy="2862322"/>
           </a:xfrm>
           <a:prstGeom prst="rect">
             <a:avLst/>
@@ -25998,7 +25815,7 @@
                 <a:latin typeface="微軟正黑體" pitchFamily="34" charset="-120"/>
                 <a:ea typeface="微軟正黑體" pitchFamily="34" charset="-120"/>
               </a:rPr>
-              <a:t>(x1=1)</a:t>
+              <a:t>(x1)</a:t>
             </a:r>
           </a:p>
           <a:p>
@@ -26014,7 +25831,7 @@
                 <a:latin typeface="微軟正黑體" pitchFamily="34" charset="-120"/>
                 <a:ea typeface="微軟正黑體" pitchFamily="34" charset="-120"/>
               </a:rPr>
-              <a:t>(x2=1)</a:t>
+              <a:t>(x2)</a:t>
             </a:r>
           </a:p>
           <a:p>
@@ -26030,7 +25847,7 @@
                 <a:latin typeface="微軟正黑體" pitchFamily="34" charset="-120"/>
                 <a:ea typeface="微軟正黑體" pitchFamily="34" charset="-120"/>
               </a:rPr>
-              <a:t>(x3=1)</a:t>
+              <a:t>(x3)</a:t>
             </a:r>
             <a:endParaRPr lang="zh-TW" altLang="en-US" sz="2000" b="1" dirty="0" smtClean="0">
               <a:latin typeface="微軟正黑體" pitchFamily="34" charset="-120"/>
@@ -26049,14 +25866,14 @@
                 <a:latin typeface="微軟正黑體" pitchFamily="34" charset="-120"/>
                 <a:ea typeface="微軟正黑體" pitchFamily="34" charset="-120"/>
               </a:rPr>
-              <a:t>天氣好壞都可以，反正室內</a:t>
+              <a:t>天氣好 </a:t>
             </a:r>
             <a:r>
               <a:rPr lang="en-US" altLang="zh-TW" sz="2000" b="1" dirty="0" smtClean="0">
                 <a:latin typeface="微軟正黑體" pitchFamily="34" charset="-120"/>
                 <a:ea typeface="微軟正黑體" pitchFamily="34" charset="-120"/>
               </a:rPr>
-              <a:t>(w1=2)</a:t>
+              <a:t>(w1)</a:t>
             </a:r>
           </a:p>
           <a:p>
@@ -26065,14 +25882,14 @@
                 <a:latin typeface="微軟正黑體" pitchFamily="34" charset="-120"/>
                 <a:ea typeface="微軟正黑體" pitchFamily="34" charset="-120"/>
               </a:rPr>
-              <a:t>一定要人陪</a:t>
+              <a:t>有人陪</a:t>
             </a:r>
             <a:r>
               <a:rPr lang="en-US" altLang="zh-TW" sz="2000" b="1" dirty="0" smtClean="0">
                 <a:latin typeface="微軟正黑體" pitchFamily="34" charset="-120"/>
                 <a:ea typeface="微軟正黑體" pitchFamily="34" charset="-120"/>
               </a:rPr>
-              <a:t>(w2=5)</a:t>
+              <a:t>(w2)</a:t>
             </a:r>
           </a:p>
           <a:p>
@@ -26081,14 +25898,14 @@
                 <a:latin typeface="微軟正黑體" pitchFamily="34" charset="-120"/>
                 <a:ea typeface="微軟正黑體" pitchFamily="34" charset="-120"/>
               </a:rPr>
-              <a:t>最好有捷運到，我沒車</a:t>
+              <a:t>有捷運的場地</a:t>
             </a:r>
             <a:r>
               <a:rPr lang="en-US" altLang="zh-TW" sz="2000" b="1" dirty="0" smtClean="0">
                 <a:latin typeface="微軟正黑體" pitchFamily="34" charset="-120"/>
                 <a:ea typeface="微軟正黑體" pitchFamily="34" charset="-120"/>
               </a:rPr>
-              <a:t>(w3=4)</a:t>
+              <a:t>(w3)</a:t>
             </a:r>
           </a:p>
           <a:p>
@@ -26107,63 +25924,29 @@
             </a:r>
             <a:r>
               <a:rPr lang="en-US" altLang="zh-TW" sz="2000" b="1" dirty="0" smtClean="0">
-                <a:latin typeface="微軟正黑體" pitchFamily="34" charset="-120"/>
-                <a:ea typeface="微軟正黑體" pitchFamily="34" charset="-120"/>
-              </a:rPr>
-              <a:t>10</a:t>
-            </a:r>
-            <a:r>
-              <a:rPr lang="zh-TW" altLang="en-US" sz="2000" b="1" dirty="0" smtClean="0">
-                <a:latin typeface="微軟正黑體" pitchFamily="34" charset="-120"/>
-                <a:ea typeface="微軟正黑體" pitchFamily="34" charset="-120"/>
-              </a:rPr>
-              <a:t>分我才會去</a:t>
-            </a:r>
-            <a:r>
-              <a:rPr lang="en-US" altLang="zh-TW" sz="2000" b="1" dirty="0" smtClean="0">
-                <a:latin typeface="微軟正黑體" pitchFamily="34" charset="-120"/>
-                <a:ea typeface="微軟正黑體" pitchFamily="34" charset="-120"/>
-              </a:rPr>
-              <a:t>(b)</a:t>
-            </a:r>
-          </a:p>
-          <a:p>
-            <a:endParaRPr lang="en-US" altLang="zh-TW" sz="2000" b="1" dirty="0" smtClean="0">
-              <a:latin typeface="微軟正黑體" pitchFamily="34" charset="-120"/>
-              <a:ea typeface="微軟正黑體" pitchFamily="34" charset="-120"/>
-            </a:endParaRPr>
-          </a:p>
-          <a:p>
-            <a:r>
-              <a:rPr lang="en-US" altLang="zh-TW" sz="2000" b="1" dirty="0" smtClean="0">
-                <a:latin typeface="微軟正黑體" pitchFamily="34" charset="-120"/>
-                <a:ea typeface="微軟正黑體" pitchFamily="34" charset="-120"/>
-              </a:rPr>
-              <a:t>x1w1+x2w2+x3w3 = 2+5+4 = 11 </a:t>
-            </a:r>
-            <a:r>
-              <a:rPr lang="en-US" altLang="zh-TW" sz="2000" b="1" dirty="0" smtClean="0">
-                <a:latin typeface="微軟正黑體" pitchFamily="34" charset="-120"/>
-                <a:ea typeface="微軟正黑體" pitchFamily="34" charset="-120"/>
-                <a:sym typeface="Wingdings" pitchFamily="2" charset="2"/>
-              </a:rPr>
-              <a:t> </a:t>
-            </a:r>
-            <a:r>
-              <a:rPr lang="zh-TW" altLang="en-US" sz="2000" b="1" dirty="0" smtClean="0">
                 <a:solidFill>
                   <a:srgbClr val="FF0000"/>
                 </a:solidFill>
                 <a:latin typeface="微軟正黑體" pitchFamily="34" charset="-120"/>
                 <a:ea typeface="微軟正黑體" pitchFamily="34" charset="-120"/>
-                <a:sym typeface="Wingdings" pitchFamily="2" charset="2"/>
-              </a:rPr>
-              <a:t>去！</a:t>
+              </a:rPr>
+              <a:t>10</a:t>
+            </a:r>
+            <a:r>
+              <a:rPr lang="zh-TW" altLang="en-US" sz="2000" b="1" dirty="0" smtClean="0">
+                <a:latin typeface="微軟正黑體" pitchFamily="34" charset="-120"/>
+                <a:ea typeface="微軟正黑體" pitchFamily="34" charset="-120"/>
+              </a:rPr>
+              <a:t>分我才會去</a:t>
+            </a:r>
+            <a:r>
+              <a:rPr lang="en-US" altLang="zh-TW" sz="2000" b="1" dirty="0" smtClean="0">
+                <a:latin typeface="微軟正黑體" pitchFamily="34" charset="-120"/>
+                <a:ea typeface="微軟正黑體" pitchFamily="34" charset="-120"/>
+              </a:rPr>
+              <a:t>(b)</a:t>
             </a:r>
             <a:endParaRPr lang="zh-TW" altLang="en-US" sz="2000" b="1" dirty="0">
-              <a:solidFill>
-                <a:srgbClr val="FF0000"/>
-              </a:solidFill>
               <a:latin typeface="微軟正黑體" pitchFamily="34" charset="-120"/>
               <a:ea typeface="微軟正黑體" pitchFamily="34" charset="-120"/>
             </a:endParaRPr>
@@ -26187,7 +25970,7 @@
         </p:blipFill>
         <p:spPr bwMode="auto">
           <a:xfrm>
-            <a:off x="6210621" y="1131590"/>
+            <a:off x="6012160" y="1203598"/>
             <a:ext cx="2933379" cy="1152128"/>
           </a:xfrm>
           <a:prstGeom prst="rect">
@@ -26376,14 +26159,14 @@
                 <a:latin typeface="微軟正黑體" pitchFamily="34" charset="-120"/>
                 <a:ea typeface="微軟正黑體" pitchFamily="34" charset="-120"/>
               </a:rPr>
-              <a:t>陰天</a:t>
+              <a:t>天氣好壞都可以，反正室內</a:t>
             </a:r>
             <a:r>
               <a:rPr lang="en-US" altLang="zh-TW" sz="2000" b="1" dirty="0" smtClean="0">
                 <a:latin typeface="微軟正黑體" pitchFamily="34" charset="-120"/>
                 <a:ea typeface="微軟正黑體" pitchFamily="34" charset="-120"/>
               </a:rPr>
-              <a:t>(w1=1)</a:t>
+              <a:t>(w1=2)</a:t>
             </a:r>
           </a:p>
           <a:p>
@@ -26392,7 +26175,7 @@
                 <a:latin typeface="微軟正黑體" pitchFamily="34" charset="-120"/>
                 <a:ea typeface="微軟正黑體" pitchFamily="34" charset="-120"/>
               </a:rPr>
-              <a:t>女友陪</a:t>
+              <a:t>一定要人陪</a:t>
             </a:r>
             <a:r>
               <a:rPr lang="en-US" altLang="zh-TW" sz="2000" b="1" dirty="0" smtClean="0">
@@ -26408,14 +26191,14 @@
                 <a:latin typeface="微軟正黑體" pitchFamily="34" charset="-120"/>
                 <a:ea typeface="微軟正黑體" pitchFamily="34" charset="-120"/>
               </a:rPr>
-              <a:t>台大巨蛋</a:t>
+              <a:t>最好有捷運到，我沒車</a:t>
             </a:r>
             <a:r>
               <a:rPr lang="en-US" altLang="zh-TW" sz="2000" b="1" dirty="0" smtClean="0">
                 <a:latin typeface="微軟正黑體" pitchFamily="34" charset="-120"/>
                 <a:ea typeface="微軟正黑體" pitchFamily="34" charset="-120"/>
               </a:rPr>
-              <a:t>(w3=5)</a:t>
+              <a:t>(w3=4)</a:t>
             </a:r>
           </a:p>
           <a:p>
@@ -26466,7 +26249,7 @@
                 <a:latin typeface="微軟正黑體" pitchFamily="34" charset="-120"/>
                 <a:ea typeface="微軟正黑體" pitchFamily="34" charset="-120"/>
               </a:rPr>
-              <a:t>x1w1+x2w2+x3w3 = 1+5+5= 11 </a:t>
+              <a:t>x1w1+x2w2+x3w3 = 2+5+4 = 11 </a:t>
             </a:r>
             <a:r>
               <a:rPr lang="en-US" altLang="zh-TW" sz="2000" b="1" dirty="0" smtClean="0">
@@ -26514,7 +26297,7 @@
         </p:blipFill>
         <p:spPr bwMode="auto">
           <a:xfrm>
-            <a:off x="6210621" y="987574"/>
+            <a:off x="6210621" y="1131590"/>
             <a:ext cx="2933379" cy="1152128"/>
           </a:xfrm>
           <a:prstGeom prst="rect">
@@ -26627,8 +26410,8 @@
         </p:nvSpPr>
         <p:spPr>
           <a:xfrm>
-            <a:off x="1619672" y="1357848"/>
-            <a:ext cx="6408712" cy="3477875"/>
+            <a:off x="1835696" y="1491630"/>
+            <a:ext cx="6192688" cy="3477875"/>
           </a:xfrm>
           <a:prstGeom prst="rect">
             <a:avLst/>
@@ -26703,14 +26486,14 @@
                 <a:latin typeface="微軟正黑體" pitchFamily="34" charset="-120"/>
                 <a:ea typeface="微軟正黑體" pitchFamily="34" charset="-120"/>
               </a:rPr>
-              <a:t>下大雨</a:t>
+              <a:t>陰天</a:t>
             </a:r>
             <a:r>
               <a:rPr lang="en-US" altLang="zh-TW" sz="2000" b="1" dirty="0" smtClean="0">
                 <a:latin typeface="微軟正黑體" pitchFamily="34" charset="-120"/>
                 <a:ea typeface="微軟正黑體" pitchFamily="34" charset="-120"/>
               </a:rPr>
-              <a:t>(w1=-1)</a:t>
+              <a:t>(w1=1)</a:t>
             </a:r>
           </a:p>
           <a:p>
@@ -26719,14 +26502,14 @@
                 <a:latin typeface="微軟正黑體" pitchFamily="34" charset="-120"/>
                 <a:ea typeface="微軟正黑體" pitchFamily="34" charset="-120"/>
               </a:rPr>
-              <a:t>雞排妹穿比基尼陪我去</a:t>
+              <a:t>女友陪</a:t>
             </a:r>
             <a:r>
               <a:rPr lang="en-US" altLang="zh-TW" sz="2000" b="1" dirty="0" smtClean="0">
                 <a:latin typeface="微軟正黑體" pitchFamily="34" charset="-120"/>
                 <a:ea typeface="微軟正黑體" pitchFamily="34" charset="-120"/>
               </a:rPr>
-              <a:t>(w2=100)</a:t>
+              <a:t>(w2=5)</a:t>
             </a:r>
           </a:p>
           <a:p>
@@ -26735,14 +26518,14 @@
                 <a:latin typeface="微軟正黑體" pitchFamily="34" charset="-120"/>
                 <a:ea typeface="微軟正黑體" pitchFamily="34" charset="-120"/>
               </a:rPr>
-              <a:t>在綠島</a:t>
+              <a:t>台大巨蛋</a:t>
             </a:r>
             <a:r>
               <a:rPr lang="en-US" altLang="zh-TW" sz="2000" b="1" dirty="0" smtClean="0">
                 <a:latin typeface="微軟正黑體" pitchFamily="34" charset="-120"/>
                 <a:ea typeface="微軟正黑體" pitchFamily="34" charset="-120"/>
               </a:rPr>
-              <a:t>(w3=-50)</a:t>
+              <a:t>(w3=5)</a:t>
             </a:r>
           </a:p>
           <a:p>
@@ -26793,7 +26576,7 @@
                 <a:latin typeface="微軟正黑體" pitchFamily="34" charset="-120"/>
                 <a:ea typeface="微軟正黑體" pitchFamily="34" charset="-120"/>
               </a:rPr>
-              <a:t>x1w1+x2w2+x3w3 = 49</a:t>
+              <a:t>x1w1+x2w2+x3w3 = 1+5+5= 11 </a:t>
             </a:r>
             <a:r>
               <a:rPr lang="en-US" altLang="zh-TW" sz="2000" b="1" dirty="0" smtClean="0">
@@ -26812,7 +26595,7 @@
                 <a:ea typeface="微軟正黑體" pitchFamily="34" charset="-120"/>
                 <a:sym typeface="Wingdings" pitchFamily="2" charset="2"/>
               </a:rPr>
-              <a:t>當然去！</a:t>
+              <a:t>去！</a:t>
             </a:r>
             <a:endParaRPr lang="zh-TW" altLang="en-US" sz="2000" b="1" dirty="0">
               <a:solidFill>
@@ -26841,7 +26624,7 @@
         </p:blipFill>
         <p:spPr bwMode="auto">
           <a:xfrm>
-            <a:off x="6210621" y="1131590"/>
+            <a:off x="6210621" y="987574"/>
             <a:ext cx="2933379" cy="1152128"/>
           </a:xfrm>
           <a:prstGeom prst="rect">
@@ -27030,14 +26813,14 @@
                 <a:latin typeface="微軟正黑體" pitchFamily="34" charset="-120"/>
                 <a:ea typeface="微軟正黑體" pitchFamily="34" charset="-120"/>
               </a:rPr>
-              <a:t>颱風</a:t>
+              <a:t>下大雨</a:t>
             </a:r>
             <a:r>
               <a:rPr lang="en-US" altLang="zh-TW" sz="2000" b="1" dirty="0" smtClean="0">
                 <a:latin typeface="微軟正黑體" pitchFamily="34" charset="-120"/>
                 <a:ea typeface="微軟正黑體" pitchFamily="34" charset="-120"/>
               </a:rPr>
-              <a:t>(w1=-50)</a:t>
+              <a:t>(w1=-1)</a:t>
             </a:r>
           </a:p>
           <a:p>
@@ -27062,28 +26845,14 @@
                 <a:latin typeface="微軟正黑體" pitchFamily="34" charset="-120"/>
                 <a:ea typeface="微軟正黑體" pitchFamily="34" charset="-120"/>
               </a:rPr>
-              <a:t>在</a:t>
-            </a:r>
-            <a:r>
-              <a:rPr lang="en-US" altLang="zh-TW" sz="2000" b="1" dirty="0" err="1" smtClean="0">
-                <a:latin typeface="微軟正黑體" pitchFamily="34" charset="-120"/>
-                <a:ea typeface="微軟正黑體" pitchFamily="34" charset="-120"/>
-              </a:rPr>
-              <a:t>isis</a:t>
-            </a:r>
-            <a:r>
-              <a:rPr lang="zh-TW" altLang="en-US" sz="2000" b="1" dirty="0" smtClean="0">
-                <a:latin typeface="微軟正黑體" pitchFamily="34" charset="-120"/>
-                <a:ea typeface="微軟正黑體" pitchFamily="34" charset="-120"/>
-              </a:rPr>
-              <a:t>基地</a:t>
+              <a:t>在綠島</a:t>
             </a:r>
             <a:r>
               <a:rPr lang="en-US" altLang="zh-TW" sz="2000" b="1" dirty="0" smtClean="0">
                 <a:latin typeface="微軟正黑體" pitchFamily="34" charset="-120"/>
                 <a:ea typeface="微軟正黑體" pitchFamily="34" charset="-120"/>
               </a:rPr>
-              <a:t>(w3=-200)</a:t>
+              <a:t>(w3=-50)</a:t>
             </a:r>
           </a:p>
           <a:p>
@@ -27134,7 +26903,7 @@
                 <a:latin typeface="微軟正黑體" pitchFamily="34" charset="-120"/>
                 <a:ea typeface="微軟正黑體" pitchFamily="34" charset="-120"/>
               </a:rPr>
-              <a:t>x1w1+x2w2+x3w3 = -150</a:t>
+              <a:t>x1w1+x2w2+x3w3 = 49</a:t>
             </a:r>
             <a:r>
               <a:rPr lang="en-US" altLang="zh-TW" sz="2000" b="1" dirty="0" smtClean="0">
@@ -27153,7 +26922,7 @@
                 <a:ea typeface="微軟正黑體" pitchFamily="34" charset="-120"/>
                 <a:sym typeface="Wingdings" pitchFamily="2" charset="2"/>
               </a:rPr>
-              <a:t>當然不去！</a:t>
+              <a:t>當然去！</a:t>
             </a:r>
             <a:endParaRPr lang="zh-TW" altLang="en-US" sz="2000" b="1" dirty="0">
               <a:solidFill>
@@ -27234,6 +27003,347 @@
         </p:nvSpPr>
         <p:spPr>
           <a:xfrm>
+            <a:off x="467544" y="136465"/>
+            <a:ext cx="8280900" cy="1239000"/>
+          </a:xfrm>
+          <a:prstGeom prst="rect">
+            <a:avLst/>
+          </a:prstGeom>
+          <a:noFill/>
+          <a:ln>
+            <a:noFill/>
+          </a:ln>
+        </p:spPr>
+        <p:txBody>
+          <a:bodyPr spcFirstLastPara="1" wrap="square" lIns="20100" tIns="20100" rIns="20100" bIns="20100" anchor="ctr" anchorCtr="0">
+            <a:noAutofit/>
+          </a:bodyPr>
+          <a:lstStyle/>
+          <a:p>
+            <a:pPr marL="0" marR="0" lvl="0" indent="0" algn="ctr" rtl="0">
+              <a:lnSpc>
+                <a:spcPct val="100000"/>
+              </a:lnSpc>
+              <a:spcBef>
+                <a:spcPts val="0"/>
+              </a:spcBef>
+              <a:spcAft>
+                <a:spcPts val="0"/>
+              </a:spcAft>
+              <a:buClr>
+                <a:srgbClr val="000000"/>
+              </a:buClr>
+              <a:buFont typeface="Gill Sans"/>
+              <a:buNone/>
+            </a:pPr>
+            <a:r>
+              <a:rPr lang="zh-TW" altLang="en-US" b="1" dirty="0" smtClean="0">
+                <a:solidFill>
+                  <a:srgbClr val="0070C0"/>
+                </a:solidFill>
+                <a:latin typeface="微軟正黑體" pitchFamily="34" charset="-120"/>
+                <a:ea typeface="微軟正黑體" pitchFamily="34" charset="-120"/>
+              </a:rPr>
+              <a:t>週六的五月天演唱會</a:t>
+            </a:r>
+            <a:endParaRPr b="1" dirty="0">
+              <a:solidFill>
+                <a:srgbClr val="0070C0"/>
+              </a:solidFill>
+              <a:latin typeface="微軟正黑體" pitchFamily="34" charset="-120"/>
+              <a:ea typeface="微軟正黑體" pitchFamily="34" charset="-120"/>
+            </a:endParaRPr>
+          </a:p>
+        </p:txBody>
+      </p:sp>
+      <p:sp>
+        <p:nvSpPr>
+          <p:cNvPr id="6" name="矩形 5"/>
+          <p:cNvSpPr/>
+          <p:nvPr/>
+        </p:nvSpPr>
+        <p:spPr>
+          <a:xfrm>
+            <a:off x="1619672" y="1357848"/>
+            <a:ext cx="6408712" cy="3477875"/>
+          </a:xfrm>
+          <a:prstGeom prst="rect">
+            <a:avLst/>
+          </a:prstGeom>
+        </p:spPr>
+        <p:txBody>
+          <a:bodyPr wrap="square">
+            <a:spAutoFit/>
+          </a:bodyPr>
+          <a:lstStyle/>
+          <a:p>
+            <a:r>
+              <a:rPr lang="zh-TW" altLang="en-US" sz="2000" b="1" dirty="0" smtClean="0">
+                <a:latin typeface="微軟正黑體" pitchFamily="34" charset="-120"/>
+                <a:ea typeface="微軟正黑體" pitchFamily="34" charset="-120"/>
+              </a:rPr>
+              <a:t>天氣？</a:t>
+            </a:r>
+            <a:r>
+              <a:rPr lang="en-US" altLang="zh-TW" sz="2000" b="1" dirty="0" smtClean="0">
+                <a:latin typeface="微軟正黑體" pitchFamily="34" charset="-120"/>
+                <a:ea typeface="微軟正黑體" pitchFamily="34" charset="-120"/>
+              </a:rPr>
+              <a:t>(x1=1)</a:t>
+            </a:r>
+          </a:p>
+          <a:p>
+            <a:r>
+              <a:rPr lang="zh-TW" altLang="en-US" sz="2000" b="1" dirty="0" smtClean="0">
+                <a:latin typeface="微軟正黑體" pitchFamily="34" charset="-120"/>
+                <a:ea typeface="微軟正黑體" pitchFamily="34" charset="-120"/>
+              </a:rPr>
+              <a:t>有人陪？</a:t>
+            </a:r>
+            <a:r>
+              <a:rPr lang="en-US" altLang="zh-TW" sz="2000" b="1" dirty="0" smtClean="0">
+                <a:latin typeface="微軟正黑體" pitchFamily="34" charset="-120"/>
+                <a:ea typeface="微軟正黑體" pitchFamily="34" charset="-120"/>
+              </a:rPr>
+              <a:t>(x2=1)</a:t>
+            </a:r>
+          </a:p>
+          <a:p>
+            <a:r>
+              <a:rPr lang="zh-TW" altLang="en-US" sz="2000" b="1" dirty="0" smtClean="0">
+                <a:latin typeface="微軟正黑體" pitchFamily="34" charset="-120"/>
+                <a:ea typeface="微軟正黑體" pitchFamily="34" charset="-120"/>
+              </a:rPr>
+              <a:t>場地？</a:t>
+            </a:r>
+            <a:r>
+              <a:rPr lang="en-US" altLang="zh-TW" sz="2000" b="1" dirty="0" smtClean="0">
+                <a:latin typeface="微軟正黑體" pitchFamily="34" charset="-120"/>
+                <a:ea typeface="微軟正黑體" pitchFamily="34" charset="-120"/>
+              </a:rPr>
+              <a:t>(x3=1)</a:t>
+            </a:r>
+            <a:endParaRPr lang="zh-TW" altLang="en-US" sz="2000" b="1" dirty="0" smtClean="0">
+              <a:latin typeface="微軟正黑體" pitchFamily="34" charset="-120"/>
+              <a:ea typeface="微軟正黑體" pitchFamily="34" charset="-120"/>
+            </a:endParaRPr>
+          </a:p>
+          <a:p>
+            <a:endParaRPr lang="en-US" altLang="zh-TW" sz="2000" b="1" dirty="0" smtClean="0">
+              <a:latin typeface="微軟正黑體" pitchFamily="34" charset="-120"/>
+              <a:ea typeface="微軟正黑體" pitchFamily="34" charset="-120"/>
+            </a:endParaRPr>
+          </a:p>
+          <a:p>
+            <a:r>
+              <a:rPr lang="zh-TW" altLang="en-US" sz="2000" b="1" dirty="0" smtClean="0">
+                <a:latin typeface="微軟正黑體" pitchFamily="34" charset="-120"/>
+                <a:ea typeface="微軟正黑體" pitchFamily="34" charset="-120"/>
+              </a:rPr>
+              <a:t>颱風</a:t>
+            </a:r>
+            <a:r>
+              <a:rPr lang="en-US" altLang="zh-TW" sz="2000" b="1" dirty="0" smtClean="0">
+                <a:latin typeface="微軟正黑體" pitchFamily="34" charset="-120"/>
+                <a:ea typeface="微軟正黑體" pitchFamily="34" charset="-120"/>
+              </a:rPr>
+              <a:t>(w1=-50)</a:t>
+            </a:r>
+          </a:p>
+          <a:p>
+            <a:r>
+              <a:rPr lang="zh-TW" altLang="en-US" sz="2000" b="1" dirty="0" smtClean="0">
+                <a:latin typeface="微軟正黑體" pitchFamily="34" charset="-120"/>
+                <a:ea typeface="微軟正黑體" pitchFamily="34" charset="-120"/>
+              </a:rPr>
+              <a:t>雞排妹穿比基尼陪我去</a:t>
+            </a:r>
+            <a:r>
+              <a:rPr lang="en-US" altLang="zh-TW" sz="2000" b="1" dirty="0" smtClean="0">
+                <a:latin typeface="微軟正黑體" pitchFamily="34" charset="-120"/>
+                <a:ea typeface="微軟正黑體" pitchFamily="34" charset="-120"/>
+              </a:rPr>
+              <a:t>(w2=100)</a:t>
+            </a:r>
+          </a:p>
+          <a:p>
+            <a:r>
+              <a:rPr lang="zh-TW" altLang="en-US" sz="2000" b="1" dirty="0" smtClean="0">
+                <a:latin typeface="微軟正黑體" pitchFamily="34" charset="-120"/>
+                <a:ea typeface="微軟正黑體" pitchFamily="34" charset="-120"/>
+              </a:rPr>
+              <a:t>在</a:t>
+            </a:r>
+            <a:r>
+              <a:rPr lang="en-US" altLang="zh-TW" sz="2000" b="1" dirty="0" err="1" smtClean="0">
+                <a:latin typeface="微軟正黑體" pitchFamily="34" charset="-120"/>
+                <a:ea typeface="微軟正黑體" pitchFamily="34" charset="-120"/>
+              </a:rPr>
+              <a:t>isis</a:t>
+            </a:r>
+            <a:r>
+              <a:rPr lang="zh-TW" altLang="en-US" sz="2000" b="1" dirty="0" smtClean="0">
+                <a:latin typeface="微軟正黑體" pitchFamily="34" charset="-120"/>
+                <a:ea typeface="微軟正黑體" pitchFamily="34" charset="-120"/>
+              </a:rPr>
+              <a:t>基地</a:t>
+            </a:r>
+            <a:r>
+              <a:rPr lang="en-US" altLang="zh-TW" sz="2000" b="1" dirty="0" smtClean="0">
+                <a:latin typeface="微軟正黑體" pitchFamily="34" charset="-120"/>
+                <a:ea typeface="微軟正黑體" pitchFamily="34" charset="-120"/>
+              </a:rPr>
+              <a:t>(w3=-200)</a:t>
+            </a:r>
+          </a:p>
+          <a:p>
+            <a:endParaRPr lang="en-US" altLang="zh-TW" sz="2000" b="1" dirty="0" smtClean="0">
+              <a:latin typeface="微軟正黑體" pitchFamily="34" charset="-120"/>
+              <a:ea typeface="微軟正黑體" pitchFamily="34" charset="-120"/>
+            </a:endParaRPr>
+          </a:p>
+          <a:p>
+            <a:r>
+              <a:rPr lang="zh-TW" altLang="en-US" sz="2000" b="1" dirty="0" smtClean="0">
+                <a:latin typeface="微軟正黑體" pitchFamily="34" charset="-120"/>
+                <a:ea typeface="微軟正黑體" pitchFamily="34" charset="-120"/>
+              </a:rPr>
+              <a:t>總分超過</a:t>
+            </a:r>
+            <a:r>
+              <a:rPr lang="en-US" altLang="zh-TW" sz="2000" b="1" dirty="0" smtClean="0">
+                <a:latin typeface="微軟正黑體" pitchFamily="34" charset="-120"/>
+                <a:ea typeface="微軟正黑體" pitchFamily="34" charset="-120"/>
+              </a:rPr>
+              <a:t>10</a:t>
+            </a:r>
+            <a:r>
+              <a:rPr lang="zh-TW" altLang="en-US" sz="2000" b="1" dirty="0" smtClean="0">
+                <a:latin typeface="微軟正黑體" pitchFamily="34" charset="-120"/>
+                <a:ea typeface="微軟正黑體" pitchFamily="34" charset="-120"/>
+              </a:rPr>
+              <a:t>分我才會去</a:t>
+            </a:r>
+            <a:r>
+              <a:rPr lang="en-US" altLang="zh-TW" sz="2000" b="1" dirty="0" smtClean="0">
+                <a:latin typeface="微軟正黑體" pitchFamily="34" charset="-120"/>
+                <a:ea typeface="微軟正黑體" pitchFamily="34" charset="-120"/>
+              </a:rPr>
+              <a:t>(b)</a:t>
+            </a:r>
+          </a:p>
+          <a:p>
+            <a:endParaRPr lang="en-US" altLang="zh-TW" sz="2000" b="1" dirty="0" smtClean="0">
+              <a:latin typeface="微軟正黑體" pitchFamily="34" charset="-120"/>
+              <a:ea typeface="微軟正黑體" pitchFamily="34" charset="-120"/>
+            </a:endParaRPr>
+          </a:p>
+          <a:p>
+            <a:r>
+              <a:rPr lang="en-US" altLang="zh-TW" sz="2000" b="1" dirty="0" smtClean="0">
+                <a:latin typeface="微軟正黑體" pitchFamily="34" charset="-120"/>
+                <a:ea typeface="微軟正黑體" pitchFamily="34" charset="-120"/>
+              </a:rPr>
+              <a:t>x1w1+x2w2+x3w3 = -150</a:t>
+            </a:r>
+            <a:r>
+              <a:rPr lang="en-US" altLang="zh-TW" sz="2000" b="1" dirty="0" smtClean="0">
+                <a:latin typeface="微軟正黑體" pitchFamily="34" charset="-120"/>
+                <a:ea typeface="微軟正黑體" pitchFamily="34" charset="-120"/>
+                <a:sym typeface="Wingdings" pitchFamily="2" charset="2"/>
+              </a:rPr>
+              <a:t> </a:t>
+            </a:r>
+            <a:r>
+              <a:rPr lang="zh-TW" altLang="en-US" sz="2000" b="1" dirty="0" smtClean="0">
+                <a:solidFill>
+                  <a:srgbClr val="FF0000"/>
+                </a:solidFill>
+                <a:latin typeface="微軟正黑體" pitchFamily="34" charset="-120"/>
+                <a:ea typeface="微軟正黑體" pitchFamily="34" charset="-120"/>
+                <a:sym typeface="Wingdings" pitchFamily="2" charset="2"/>
+              </a:rPr>
+              <a:t>當然不去！</a:t>
+            </a:r>
+            <a:endParaRPr lang="zh-TW" altLang="en-US" sz="2000" b="1" dirty="0">
+              <a:solidFill>
+                <a:srgbClr val="FF0000"/>
+              </a:solidFill>
+              <a:latin typeface="微軟正黑體" pitchFamily="34" charset="-120"/>
+              <a:ea typeface="微軟正黑體" pitchFamily="34" charset="-120"/>
+            </a:endParaRPr>
+          </a:p>
+        </p:txBody>
+      </p:sp>
+      <p:pic>
+        <p:nvPicPr>
+          <p:cNvPr id="4" name="Picture 2"/>
+          <p:cNvPicPr>
+            <a:picLocks noChangeAspect="1" noChangeArrowheads="1"/>
+          </p:cNvPicPr>
+          <p:nvPr/>
+        </p:nvPicPr>
+        <p:blipFill>
+          <a:blip r:embed="rId3"/>
+          <a:srcRect/>
+          <a:stretch>
+            <a:fillRect/>
+          </a:stretch>
+        </p:blipFill>
+        <p:spPr bwMode="auto">
+          <a:xfrm>
+            <a:off x="6210621" y="1131590"/>
+            <a:ext cx="2933379" cy="1152128"/>
+          </a:xfrm>
+          <a:prstGeom prst="rect">
+            <a:avLst/>
+          </a:prstGeom>
+          <a:noFill/>
+          <a:ln w="9525">
+            <a:noFill/>
+            <a:miter lim="800000"/>
+            <a:headEnd/>
+            <a:tailEnd/>
+          </a:ln>
+        </p:spPr>
+      </p:pic>
+    </p:spTree>
+  </p:cSld>
+  <p:clrMapOvr>
+    <a:masterClrMapping/>
+  </p:clrMapOvr>
+</p:sld>
+</file>
+
+<file path=ppt/slides/slide25.xml><?xml version="1.0" encoding="utf-8"?>
+<p:sld xmlns:a="http://schemas.openxmlformats.org/drawingml/2006/main" xmlns:r="http://schemas.openxmlformats.org/officeDocument/2006/relationships" xmlns:p="http://schemas.openxmlformats.org/presentationml/2006/main">
+  <p:cSld>
+    <p:spTree>
+      <p:nvGrpSpPr>
+        <p:cNvPr id="1" name="Shape 226"/>
+        <p:cNvGrpSpPr/>
+        <p:nvPr/>
+      </p:nvGrpSpPr>
+      <p:grpSpPr>
+        <a:xfrm>
+          <a:off x="0" y="0"/>
+          <a:ext cx="0" cy="0"/>
+          <a:chOff x="0" y="0"/>
+          <a:chExt cx="0" cy="0"/>
+        </a:xfrm>
+      </p:grpSpPr>
+      <p:sp>
+        <p:nvSpPr>
+          <p:cNvPr id="227" name="Google Shape;227;p48"/>
+          <p:cNvSpPr txBox="1">
+            <a:spLocks noGrp="1"/>
+          </p:cNvSpPr>
+          <p:nvPr>
+            <p:ph type="title"/>
+          </p:nvPr>
+        </p:nvSpPr>
+        <p:spPr>
+          <a:xfrm>
             <a:off x="467544" y="108614"/>
             <a:ext cx="8280900" cy="1239000"/>
           </a:xfrm>
@@ -27517,7 +27627,7 @@
 </p:sld>
 </file>
 
-<file path=ppt/slides/slide25.xml><?xml version="1.0" encoding="utf-8"?>
+<file path=ppt/slides/slide26.xml><?xml version="1.0" encoding="utf-8"?>
 <p:sld xmlns:a="http://schemas.openxmlformats.org/drawingml/2006/main" xmlns:r="http://schemas.openxmlformats.org/officeDocument/2006/relationships" xmlns:p="http://schemas.openxmlformats.org/presentationml/2006/main">
   <p:cSld>
     <p:spTree>
@@ -27691,7 +27801,7 @@
 </p:sld>
 </file>
 
-<file path=ppt/slides/slide26.xml><?xml version="1.0" encoding="utf-8"?>
+<file path=ppt/slides/slide27.xml><?xml version="1.0" encoding="utf-8"?>
 <p:sld xmlns:a="http://schemas.openxmlformats.org/drawingml/2006/main" xmlns:r="http://schemas.openxmlformats.org/officeDocument/2006/relationships" xmlns:p="http://schemas.openxmlformats.org/presentationml/2006/main">
   <p:cSld>
     <p:spTree>
@@ -27812,147 +27922,6 @@
           <a:xfrm>
             <a:off x="2123728" y="1419622"/>
             <a:ext cx="5112568" cy="3253793"/>
-          </a:xfrm>
-          <a:prstGeom prst="rect">
-            <a:avLst/>
-          </a:prstGeom>
-          <a:noFill/>
-          <a:ln w="9525">
-            <a:noFill/>
-            <a:miter lim="800000"/>
-            <a:headEnd/>
-            <a:tailEnd/>
-          </a:ln>
-        </p:spPr>
-      </p:pic>
-    </p:spTree>
-  </p:cSld>
-  <p:clrMapOvr>
-    <a:masterClrMapping/>
-  </p:clrMapOvr>
-</p:sld>
-</file>
-
-<file path=ppt/slides/slide27.xml><?xml version="1.0" encoding="utf-8"?>
-<p:sld xmlns:a="http://schemas.openxmlformats.org/drawingml/2006/main" xmlns:r="http://schemas.openxmlformats.org/officeDocument/2006/relationships" xmlns:p="http://schemas.openxmlformats.org/presentationml/2006/main">
-  <p:cSld>
-    <p:spTree>
-      <p:nvGrpSpPr>
-        <p:cNvPr id="1" name="Shape 226"/>
-        <p:cNvGrpSpPr/>
-        <p:nvPr/>
-      </p:nvGrpSpPr>
-      <p:grpSpPr>
-        <a:xfrm>
-          <a:off x="0" y="0"/>
-          <a:ext cx="0" cy="0"/>
-          <a:chOff x="0" y="0"/>
-          <a:chExt cx="0" cy="0"/>
-        </a:xfrm>
-      </p:grpSpPr>
-      <p:sp>
-        <p:nvSpPr>
-          <p:cNvPr id="227" name="Google Shape;227;p48"/>
-          <p:cNvSpPr txBox="1">
-            <a:spLocks noGrp="1"/>
-          </p:cNvSpPr>
-          <p:nvPr>
-            <p:ph type="title"/>
-          </p:nvPr>
-        </p:nvSpPr>
-        <p:spPr>
-          <a:xfrm>
-            <a:off x="431625" y="299221"/>
-            <a:ext cx="8280900" cy="1239000"/>
-          </a:xfrm>
-          <a:prstGeom prst="rect">
-            <a:avLst/>
-          </a:prstGeom>
-          <a:noFill/>
-          <a:ln>
-            <a:noFill/>
-          </a:ln>
-        </p:spPr>
-        <p:txBody>
-          <a:bodyPr spcFirstLastPara="1" wrap="square" lIns="20100" tIns="20100" rIns="20100" bIns="20100" anchor="ctr" anchorCtr="0">
-            <a:noAutofit/>
-          </a:bodyPr>
-          <a:lstStyle/>
-          <a:p>
-            <a:pPr marL="0" marR="0" lvl="0" indent="0" algn="ctr" rtl="0">
-              <a:lnSpc>
-                <a:spcPct val="100000"/>
-              </a:lnSpc>
-              <a:spcBef>
-                <a:spcPts val="0"/>
-              </a:spcBef>
-              <a:spcAft>
-                <a:spcPts val="0"/>
-              </a:spcAft>
-              <a:buClr>
-                <a:srgbClr val="000000"/>
-              </a:buClr>
-              <a:buFont typeface="Gill Sans"/>
-              <a:buNone/>
-            </a:pPr>
-            <a:r>
-              <a:rPr lang="en" sz="3400" b="0" i="0" u="none" strike="noStrike" cap="none" dirty="0" smtClean="0">
-                <a:solidFill>
-                  <a:srgbClr val="000000"/>
-                </a:solidFill>
-                <a:latin typeface="Gill Sans"/>
-                <a:ea typeface="Gill Sans"/>
-                <a:cs typeface="Gill Sans"/>
-                <a:sym typeface="Gill Sans"/>
-              </a:rPr>
-              <a:t>Toward Deep Learning</a:t>
-            </a:r>
-            <a:br>
-              <a:rPr lang="en" sz="3400" b="0" i="0" u="none" strike="noStrike" cap="none" dirty="0" smtClean="0">
-                <a:solidFill>
-                  <a:srgbClr val="000000"/>
-                </a:solidFill>
-                <a:latin typeface="Gill Sans"/>
-                <a:ea typeface="Gill Sans"/>
-                <a:cs typeface="Gill Sans"/>
-                <a:sym typeface="Gill Sans"/>
-              </a:rPr>
-            </a:br>
-            <a:r>
-              <a:rPr lang="en" dirty="0" smtClean="0">
-                <a:solidFill>
-                  <a:srgbClr val="0070C0"/>
-                </a:solidFill>
-              </a:rPr>
-              <a:t>Face recognization</a:t>
-            </a:r>
-            <a:endParaRPr dirty="0">
-              <a:solidFill>
-                <a:srgbClr val="0070C0"/>
-              </a:solidFill>
-            </a:endParaRPr>
-          </a:p>
-        </p:txBody>
-      </p:sp>
-      <p:pic>
-        <p:nvPicPr>
-          <p:cNvPr id="1026" name="Picture 2"/>
-          <p:cNvPicPr>
-            <a:picLocks noChangeAspect="1" noChangeArrowheads="1"/>
-          </p:cNvPicPr>
-          <p:nvPr/>
-        </p:nvPicPr>
-        <p:blipFill>
-          <a:blip r:embed="rId3"/>
-          <a:srcRect/>
-          <a:stretch>
-            <a:fillRect/>
-          </a:stretch>
-        </p:blipFill>
-        <p:spPr bwMode="auto">
-          <a:xfrm>
-            <a:off x="1691680" y="2067694"/>
-            <a:ext cx="5727700" cy="1946275"/>
           </a:xfrm>
           <a:prstGeom prst="rect">
             <a:avLst/>
@@ -28077,6 +28046,147 @@
       </p:sp>
       <p:pic>
         <p:nvPicPr>
+          <p:cNvPr id="1026" name="Picture 2"/>
+          <p:cNvPicPr>
+            <a:picLocks noChangeAspect="1" noChangeArrowheads="1"/>
+          </p:cNvPicPr>
+          <p:nvPr/>
+        </p:nvPicPr>
+        <p:blipFill>
+          <a:blip r:embed="rId3"/>
+          <a:srcRect/>
+          <a:stretch>
+            <a:fillRect/>
+          </a:stretch>
+        </p:blipFill>
+        <p:spPr bwMode="auto">
+          <a:xfrm>
+            <a:off x="1691680" y="2067694"/>
+            <a:ext cx="5727700" cy="1946275"/>
+          </a:xfrm>
+          <a:prstGeom prst="rect">
+            <a:avLst/>
+          </a:prstGeom>
+          <a:noFill/>
+          <a:ln w="9525">
+            <a:noFill/>
+            <a:miter lim="800000"/>
+            <a:headEnd/>
+            <a:tailEnd/>
+          </a:ln>
+        </p:spPr>
+      </p:pic>
+    </p:spTree>
+  </p:cSld>
+  <p:clrMapOvr>
+    <a:masterClrMapping/>
+  </p:clrMapOvr>
+</p:sld>
+</file>
+
+<file path=ppt/slides/slide29.xml><?xml version="1.0" encoding="utf-8"?>
+<p:sld xmlns:a="http://schemas.openxmlformats.org/drawingml/2006/main" xmlns:r="http://schemas.openxmlformats.org/officeDocument/2006/relationships" xmlns:p="http://schemas.openxmlformats.org/presentationml/2006/main">
+  <p:cSld>
+    <p:spTree>
+      <p:nvGrpSpPr>
+        <p:cNvPr id="1" name="Shape 226"/>
+        <p:cNvGrpSpPr/>
+        <p:nvPr/>
+      </p:nvGrpSpPr>
+      <p:grpSpPr>
+        <a:xfrm>
+          <a:off x="0" y="0"/>
+          <a:ext cx="0" cy="0"/>
+          <a:chOff x="0" y="0"/>
+          <a:chExt cx="0" cy="0"/>
+        </a:xfrm>
+      </p:grpSpPr>
+      <p:sp>
+        <p:nvSpPr>
+          <p:cNvPr id="227" name="Google Shape;227;p48"/>
+          <p:cNvSpPr txBox="1">
+            <a:spLocks noGrp="1"/>
+          </p:cNvSpPr>
+          <p:nvPr>
+            <p:ph type="title"/>
+          </p:nvPr>
+        </p:nvSpPr>
+        <p:spPr>
+          <a:xfrm>
+            <a:off x="431625" y="299221"/>
+            <a:ext cx="8280900" cy="1239000"/>
+          </a:xfrm>
+          <a:prstGeom prst="rect">
+            <a:avLst/>
+          </a:prstGeom>
+          <a:noFill/>
+          <a:ln>
+            <a:noFill/>
+          </a:ln>
+        </p:spPr>
+        <p:txBody>
+          <a:bodyPr spcFirstLastPara="1" wrap="square" lIns="20100" tIns="20100" rIns="20100" bIns="20100" anchor="ctr" anchorCtr="0">
+            <a:noAutofit/>
+          </a:bodyPr>
+          <a:lstStyle/>
+          <a:p>
+            <a:pPr marL="0" marR="0" lvl="0" indent="0" algn="ctr" rtl="0">
+              <a:lnSpc>
+                <a:spcPct val="100000"/>
+              </a:lnSpc>
+              <a:spcBef>
+                <a:spcPts val="0"/>
+              </a:spcBef>
+              <a:spcAft>
+                <a:spcPts val="0"/>
+              </a:spcAft>
+              <a:buClr>
+                <a:srgbClr val="000000"/>
+              </a:buClr>
+              <a:buFont typeface="Gill Sans"/>
+              <a:buNone/>
+            </a:pPr>
+            <a:r>
+              <a:rPr lang="en" sz="3400" b="0" i="0" u="none" strike="noStrike" cap="none" dirty="0" smtClean="0">
+                <a:solidFill>
+                  <a:srgbClr val="000000"/>
+                </a:solidFill>
+                <a:latin typeface="Gill Sans"/>
+                <a:ea typeface="Gill Sans"/>
+                <a:cs typeface="Gill Sans"/>
+                <a:sym typeface="Gill Sans"/>
+              </a:rPr>
+              <a:t>Toward Deep Learning</a:t>
+            </a:r>
+            <a:br>
+              <a:rPr lang="en" sz="3400" b="0" i="0" u="none" strike="noStrike" cap="none" dirty="0" smtClean="0">
+                <a:solidFill>
+                  <a:srgbClr val="000000"/>
+                </a:solidFill>
+                <a:latin typeface="Gill Sans"/>
+                <a:ea typeface="Gill Sans"/>
+                <a:cs typeface="Gill Sans"/>
+                <a:sym typeface="Gill Sans"/>
+              </a:rPr>
+            </a:br>
+            <a:r>
+              <a:rPr lang="en" dirty="0" smtClean="0">
+                <a:solidFill>
+                  <a:srgbClr val="0070C0"/>
+                </a:solidFill>
+              </a:rPr>
+              <a:t>Face recognization</a:t>
+            </a:r>
+            <a:endParaRPr dirty="0">
+              <a:solidFill>
+                <a:srgbClr val="0070C0"/>
+              </a:solidFill>
+            </a:endParaRPr>
+          </a:p>
+        </p:txBody>
+      </p:sp>
+      <p:pic>
+        <p:nvPicPr>
           <p:cNvPr id="2050" name="Picture 2"/>
           <p:cNvPicPr>
             <a:picLocks noChangeAspect="1" noChangeArrowheads="1"/>
@@ -28115,7 +28225,334 @@
 </p:sld>
 </file>
 
-<file path=ppt/slides/slide29.xml><?xml version="1.0" encoding="utf-8"?>
+<file path=ppt/slides/slide3.xml><?xml version="1.0" encoding="utf-8"?>
+<p:sld xmlns:a="http://schemas.openxmlformats.org/drawingml/2006/main" xmlns:r="http://schemas.openxmlformats.org/officeDocument/2006/relationships" xmlns:p="http://schemas.openxmlformats.org/presentationml/2006/main">
+  <p:cSld>
+    <p:spTree>
+      <p:nvGrpSpPr>
+        <p:cNvPr id="1" name="Shape 226"/>
+        <p:cNvGrpSpPr/>
+        <p:nvPr/>
+      </p:nvGrpSpPr>
+      <p:grpSpPr>
+        <a:xfrm>
+          <a:off x="0" y="0"/>
+          <a:ext cx="0" cy="0"/>
+          <a:chOff x="0" y="0"/>
+          <a:chExt cx="0" cy="0"/>
+        </a:xfrm>
+      </p:grpSpPr>
+      <p:sp>
+        <p:nvSpPr>
+          <p:cNvPr id="227" name="Google Shape;227;p48"/>
+          <p:cNvSpPr txBox="1">
+            <a:spLocks noGrp="1"/>
+          </p:cNvSpPr>
+          <p:nvPr>
+            <p:ph type="title"/>
+          </p:nvPr>
+        </p:nvSpPr>
+        <p:spPr>
+          <a:xfrm>
+            <a:off x="467544" y="0"/>
+            <a:ext cx="8280900" cy="1239000"/>
+          </a:xfrm>
+          <a:prstGeom prst="rect">
+            <a:avLst/>
+          </a:prstGeom>
+          <a:noFill/>
+          <a:ln>
+            <a:noFill/>
+          </a:ln>
+        </p:spPr>
+        <p:txBody>
+          <a:bodyPr spcFirstLastPara="1" wrap="square" lIns="20100" tIns="20100" rIns="20100" bIns="20100" anchor="ctr" anchorCtr="0">
+            <a:noAutofit/>
+          </a:bodyPr>
+          <a:lstStyle/>
+          <a:p>
+            <a:pPr marL="0" marR="0" lvl="0" indent="0" algn="ctr" rtl="0">
+              <a:lnSpc>
+                <a:spcPct val="100000"/>
+              </a:lnSpc>
+              <a:spcBef>
+                <a:spcPts val="0"/>
+              </a:spcBef>
+              <a:spcAft>
+                <a:spcPts val="0"/>
+              </a:spcAft>
+              <a:buClr>
+                <a:srgbClr val="000000"/>
+              </a:buClr>
+              <a:buFont typeface="Gill Sans"/>
+              <a:buNone/>
+            </a:pPr>
+            <a:r>
+              <a:rPr lang="zh-TW" altLang="en-US" b="1" dirty="0" smtClean="0">
+                <a:solidFill>
+                  <a:srgbClr val="0070C0"/>
+                </a:solidFill>
+                <a:latin typeface="微軟正黑體" pitchFamily="34" charset="-120"/>
+                <a:ea typeface="微軟正黑體" pitchFamily="34" charset="-120"/>
+              </a:rPr>
+              <a:t>模擬神經細胞</a:t>
+            </a:r>
+            <a:endParaRPr b="1" dirty="0">
+              <a:solidFill>
+                <a:srgbClr val="0070C0"/>
+              </a:solidFill>
+              <a:latin typeface="微軟正黑體" pitchFamily="34" charset="-120"/>
+              <a:ea typeface="微軟正黑體" pitchFamily="34" charset="-120"/>
+            </a:endParaRPr>
+          </a:p>
+        </p:txBody>
+      </p:sp>
+      <p:pic>
+        <p:nvPicPr>
+          <p:cNvPr id="2050" name="Picture 2"/>
+          <p:cNvPicPr>
+            <a:picLocks noChangeAspect="1" noChangeArrowheads="1"/>
+          </p:cNvPicPr>
+          <p:nvPr/>
+        </p:nvPicPr>
+        <p:blipFill>
+          <a:blip r:embed="rId3"/>
+          <a:srcRect/>
+          <a:stretch>
+            <a:fillRect/>
+          </a:stretch>
+        </p:blipFill>
+        <p:spPr bwMode="auto">
+          <a:xfrm>
+            <a:off x="395536" y="1635646"/>
+            <a:ext cx="3358930" cy="2088232"/>
+          </a:xfrm>
+          <a:prstGeom prst="rect">
+            <a:avLst/>
+          </a:prstGeom>
+          <a:noFill/>
+          <a:ln w="9525">
+            <a:noFill/>
+            <a:miter lim="800000"/>
+            <a:headEnd/>
+            <a:tailEnd/>
+          </a:ln>
+        </p:spPr>
+      </p:pic>
+      <p:sp>
+        <p:nvSpPr>
+          <p:cNvPr id="5" name="矩形 4"/>
+          <p:cNvSpPr/>
+          <p:nvPr/>
+        </p:nvSpPr>
+        <p:spPr>
+          <a:xfrm>
+            <a:off x="3815408" y="1779662"/>
+            <a:ext cx="5328592" cy="1754326"/>
+          </a:xfrm>
+          <a:prstGeom prst="rect">
+            <a:avLst/>
+          </a:prstGeom>
+        </p:spPr>
+        <p:txBody>
+          <a:bodyPr wrap="square">
+            <a:spAutoFit/>
+          </a:bodyPr>
+          <a:lstStyle/>
+          <a:p>
+            <a:r>
+              <a:rPr lang="zh-TW" altLang="en-US" sz="1800" b="1" dirty="0" smtClean="0">
+                <a:latin typeface="微軟正黑體" pitchFamily="34" charset="-120"/>
+                <a:ea typeface="微軟正黑體" pitchFamily="34" charset="-120"/>
+              </a:rPr>
+              <a:t>神經元</a:t>
+            </a:r>
+            <a:r>
+              <a:rPr lang="en-US" altLang="zh-TW" sz="1800" b="1" dirty="0" smtClean="0">
+                <a:latin typeface="微軟正黑體" pitchFamily="34" charset="-120"/>
+                <a:ea typeface="微軟正黑體" pitchFamily="34" charset="-120"/>
+              </a:rPr>
+              <a:t>-&gt;</a:t>
+            </a:r>
+            <a:r>
+              <a:rPr lang="zh-TW" altLang="en-US" sz="1800" b="1" dirty="0" smtClean="0">
+                <a:latin typeface="微軟正黑體" pitchFamily="34" charset="-120"/>
+                <a:ea typeface="微軟正黑體" pitchFamily="34" charset="-120"/>
+              </a:rPr>
+              <a:t>單個神經細胞</a:t>
+            </a:r>
+            <a:endParaRPr lang="en-US" altLang="zh-TW" sz="1800" b="1" dirty="0" smtClean="0">
+              <a:latin typeface="微軟正黑體" pitchFamily="34" charset="-120"/>
+              <a:ea typeface="微軟正黑體" pitchFamily="34" charset="-120"/>
+            </a:endParaRPr>
+          </a:p>
+          <a:p>
+            <a:r>
+              <a:rPr lang="en-US" altLang="zh-TW" sz="1800" b="1" dirty="0" smtClean="0">
+                <a:latin typeface="微軟正黑體" pitchFamily="34" charset="-120"/>
+                <a:ea typeface="微軟正黑體" pitchFamily="34" charset="-120"/>
+              </a:rPr>
+              <a:t>a1-an (</a:t>
+            </a:r>
+            <a:r>
+              <a:rPr lang="zh-TW" altLang="en-US" sz="1800" b="1" dirty="0" smtClean="0">
+                <a:latin typeface="微軟正黑體" pitchFamily="34" charset="-120"/>
+                <a:ea typeface="微軟正黑體" pitchFamily="34" charset="-120"/>
+              </a:rPr>
+              <a:t>輸入值</a:t>
+            </a:r>
+            <a:r>
+              <a:rPr lang="en-US" altLang="zh-TW" sz="1800" b="1" dirty="0" smtClean="0">
+                <a:latin typeface="微軟正黑體" pitchFamily="34" charset="-120"/>
+                <a:ea typeface="微軟正黑體" pitchFamily="34" charset="-120"/>
+              </a:rPr>
+              <a:t>)-&gt;</a:t>
+            </a:r>
+            <a:r>
+              <a:rPr lang="zh-TW" altLang="en-US" sz="1800" b="1" dirty="0" smtClean="0">
+                <a:latin typeface="微軟正黑體" pitchFamily="34" charset="-120"/>
+                <a:ea typeface="微軟正黑體" pitchFamily="34" charset="-120"/>
+              </a:rPr>
+              <a:t>來自其它神經元的信號量</a:t>
+            </a:r>
+            <a:endParaRPr lang="en-US" altLang="zh-TW" sz="1800" b="1" dirty="0" smtClean="0">
+              <a:latin typeface="微軟正黑體" pitchFamily="34" charset="-120"/>
+              <a:ea typeface="微軟正黑體" pitchFamily="34" charset="-120"/>
+            </a:endParaRPr>
+          </a:p>
+          <a:p>
+            <a:r>
+              <a:rPr lang="en-US" altLang="zh-TW" sz="1800" b="1" dirty="0" smtClean="0">
+                <a:latin typeface="微軟正黑體" pitchFamily="34" charset="-120"/>
+                <a:ea typeface="微軟正黑體" pitchFamily="34" charset="-120"/>
+              </a:rPr>
+              <a:t>w1-wn (</a:t>
+            </a:r>
+            <a:r>
+              <a:rPr lang="zh-TW" altLang="en-US" sz="1800" b="1" dirty="0" smtClean="0">
+                <a:latin typeface="微軟正黑體" pitchFamily="34" charset="-120"/>
+                <a:ea typeface="微軟正黑體" pitchFamily="34" charset="-120"/>
+              </a:rPr>
+              <a:t>權重</a:t>
+            </a:r>
+            <a:r>
+              <a:rPr lang="en-US" altLang="zh-TW" sz="1800" b="1" dirty="0" smtClean="0">
+                <a:latin typeface="微軟正黑體" pitchFamily="34" charset="-120"/>
+                <a:ea typeface="微軟正黑體" pitchFamily="34" charset="-120"/>
+              </a:rPr>
+              <a:t>)-&gt;</a:t>
+            </a:r>
+            <a:r>
+              <a:rPr lang="zh-TW" altLang="en-US" sz="1800" b="1" dirty="0" smtClean="0">
+                <a:latin typeface="微軟正黑體" pitchFamily="34" charset="-120"/>
+                <a:ea typeface="微軟正黑體" pitchFamily="34" charset="-120"/>
+              </a:rPr>
+              <a:t>突觸的強度</a:t>
+            </a:r>
+            <a:endParaRPr lang="en-US" altLang="zh-TW" sz="1800" b="1" dirty="0" smtClean="0">
+              <a:latin typeface="微軟正黑體" pitchFamily="34" charset="-120"/>
+              <a:ea typeface="微軟正黑體" pitchFamily="34" charset="-120"/>
+            </a:endParaRPr>
+          </a:p>
+          <a:p>
+            <a:r>
+              <a:rPr lang="en-US" altLang="zh-TW" sz="1800" b="1" dirty="0" smtClean="0">
+                <a:latin typeface="微軟正黑體" pitchFamily="34" charset="-120"/>
+                <a:ea typeface="微軟正黑體" pitchFamily="34" charset="-120"/>
+              </a:rPr>
+              <a:t>b -&gt;</a:t>
+            </a:r>
+            <a:r>
+              <a:rPr lang="zh-TW" altLang="en-US" sz="1800" b="1" dirty="0" smtClean="0">
+                <a:latin typeface="微軟正黑體" pitchFamily="34" charset="-120"/>
+                <a:ea typeface="微軟正黑體" pitchFamily="34" charset="-120"/>
+              </a:rPr>
+              <a:t>門檻值</a:t>
+            </a:r>
+            <a:endParaRPr lang="en-US" altLang="zh-TW" sz="1800" b="1" dirty="0" smtClean="0">
+              <a:latin typeface="微軟正黑體" pitchFamily="34" charset="-120"/>
+              <a:ea typeface="微軟正黑體" pitchFamily="34" charset="-120"/>
+            </a:endParaRPr>
+          </a:p>
+          <a:p>
+            <a:r>
+              <a:rPr lang="en-US" altLang="zh-TW" sz="1800" b="1" dirty="0" smtClean="0">
+                <a:latin typeface="微軟正黑體" pitchFamily="34" charset="-120"/>
+                <a:ea typeface="微軟正黑體" pitchFamily="34" charset="-120"/>
+              </a:rPr>
+              <a:t>f-</a:t>
+            </a:r>
+            <a:r>
+              <a:rPr lang="en-US" altLang="zh-TW" sz="1800" b="1" dirty="0" smtClean="0">
+                <a:latin typeface="微軟正黑體" pitchFamily="34" charset="-120"/>
+                <a:ea typeface="微軟正黑體" pitchFamily="34" charset="-120"/>
+              </a:rPr>
+              <a:t>&gt;</a:t>
+            </a:r>
+            <a:r>
+              <a:rPr lang="zh-TW" altLang="en-US" sz="1800" b="1" dirty="0" smtClean="0">
+                <a:latin typeface="微軟正黑體" pitchFamily="34" charset="-120"/>
+                <a:ea typeface="微軟正黑體" pitchFamily="34" charset="-120"/>
+              </a:rPr>
+              <a:t>啟動函數</a:t>
+            </a:r>
+            <a:r>
+              <a:rPr lang="en-US" altLang="zh-TW" sz="1800" b="1" dirty="0" smtClean="0">
+                <a:latin typeface="微軟正黑體" pitchFamily="34" charset="-120"/>
+                <a:ea typeface="微軟正黑體" pitchFamily="34" charset="-120"/>
+              </a:rPr>
+              <a:t>(</a:t>
+            </a:r>
+            <a:r>
+              <a:rPr lang="zh-TW" altLang="en-US" sz="1800" b="1" dirty="0" smtClean="0">
+                <a:latin typeface="微軟正黑體" pitchFamily="34" charset="-120"/>
+                <a:ea typeface="微軟正黑體" pitchFamily="34" charset="-120"/>
+              </a:rPr>
+              <a:t>或稱之為傳遞函數</a:t>
+            </a:r>
+            <a:r>
+              <a:rPr lang="en-US" altLang="zh-TW" sz="1800" b="1" dirty="0" smtClean="0">
+                <a:latin typeface="微軟正黑體" pitchFamily="34" charset="-120"/>
+                <a:ea typeface="微軟正黑體" pitchFamily="34" charset="-120"/>
+              </a:rPr>
+              <a:t>)</a:t>
+            </a:r>
+            <a:endParaRPr lang="en-US" altLang="zh-TW" sz="1800" b="1" dirty="0" smtClean="0">
+              <a:latin typeface="微軟正黑體" pitchFamily="34" charset="-120"/>
+              <a:ea typeface="微軟正黑體" pitchFamily="34" charset="-120"/>
+            </a:endParaRPr>
+          </a:p>
+          <a:p>
+            <a:r>
+              <a:rPr lang="en-US" altLang="zh-TW" sz="1800" b="1" dirty="0" smtClean="0">
+                <a:latin typeface="微軟正黑體" pitchFamily="34" charset="-120"/>
+                <a:ea typeface="微軟正黑體" pitchFamily="34" charset="-120"/>
+              </a:rPr>
+              <a:t>t-&gt;</a:t>
+            </a:r>
+            <a:r>
+              <a:rPr lang="zh-TW" altLang="en-US" sz="1800" b="1" dirty="0" smtClean="0">
+                <a:latin typeface="微軟正黑體" pitchFamily="34" charset="-120"/>
+                <a:ea typeface="微軟正黑體" pitchFamily="34" charset="-120"/>
+              </a:rPr>
+              <a:t>信號量輸出</a:t>
+            </a:r>
+            <a:endParaRPr lang="zh-TW" altLang="en-US" sz="1800" b="1" dirty="0">
+              <a:latin typeface="微軟正黑體" pitchFamily="34" charset="-120"/>
+              <a:ea typeface="微軟正黑體" pitchFamily="34" charset="-120"/>
+            </a:endParaRPr>
+          </a:p>
+        </p:txBody>
+      </p:sp>
+    </p:spTree>
+  </p:cSld>
+  <p:clrMapOvr>
+    <a:masterClrMapping/>
+  </p:clrMapOvr>
+</p:sld>
+</file>
+
+<file path=ppt/slides/slide30.xml><?xml version="1.0" encoding="utf-8"?>
 <p:sld xmlns:a="http://schemas.openxmlformats.org/drawingml/2006/main" xmlns:r="http://schemas.openxmlformats.org/officeDocument/2006/relationships" xmlns:p="http://schemas.openxmlformats.org/presentationml/2006/main">
   <p:cSld>
     <p:spTree>
@@ -28328,306 +28765,7 @@
 </p:sld>
 </file>
 
-<file path=ppt/slides/slide3.xml><?xml version="1.0" encoding="utf-8"?>
-<p:sld xmlns:a="http://schemas.openxmlformats.org/drawingml/2006/main" xmlns:r="http://schemas.openxmlformats.org/officeDocument/2006/relationships" xmlns:p="http://schemas.openxmlformats.org/presentationml/2006/main">
-  <p:cSld>
-    <p:spTree>
-      <p:nvGrpSpPr>
-        <p:cNvPr id="1" name="Shape 226"/>
-        <p:cNvGrpSpPr/>
-        <p:nvPr/>
-      </p:nvGrpSpPr>
-      <p:grpSpPr>
-        <a:xfrm>
-          <a:off x="0" y="0"/>
-          <a:ext cx="0" cy="0"/>
-          <a:chOff x="0" y="0"/>
-          <a:chExt cx="0" cy="0"/>
-        </a:xfrm>
-      </p:grpSpPr>
-      <p:sp>
-        <p:nvSpPr>
-          <p:cNvPr id="227" name="Google Shape;227;p48"/>
-          <p:cNvSpPr txBox="1">
-            <a:spLocks noGrp="1"/>
-          </p:cNvSpPr>
-          <p:nvPr>
-            <p:ph type="title"/>
-          </p:nvPr>
-        </p:nvSpPr>
-        <p:spPr>
-          <a:xfrm>
-            <a:off x="467544" y="0"/>
-            <a:ext cx="8280900" cy="1239000"/>
-          </a:xfrm>
-          <a:prstGeom prst="rect">
-            <a:avLst/>
-          </a:prstGeom>
-          <a:noFill/>
-          <a:ln>
-            <a:noFill/>
-          </a:ln>
-        </p:spPr>
-        <p:txBody>
-          <a:bodyPr spcFirstLastPara="1" wrap="square" lIns="20100" tIns="20100" rIns="20100" bIns="20100" anchor="ctr" anchorCtr="0">
-            <a:noAutofit/>
-          </a:bodyPr>
-          <a:lstStyle/>
-          <a:p>
-            <a:pPr marL="0" marR="0" lvl="0" indent="0" algn="ctr" rtl="0">
-              <a:lnSpc>
-                <a:spcPct val="100000"/>
-              </a:lnSpc>
-              <a:spcBef>
-                <a:spcPts val="0"/>
-              </a:spcBef>
-              <a:spcAft>
-                <a:spcPts val="0"/>
-              </a:spcAft>
-              <a:buClr>
-                <a:srgbClr val="000000"/>
-              </a:buClr>
-              <a:buFont typeface="Gill Sans"/>
-              <a:buNone/>
-            </a:pPr>
-            <a:r>
-              <a:rPr lang="zh-TW" altLang="en-US" b="1" dirty="0" smtClean="0">
-                <a:solidFill>
-                  <a:srgbClr val="0070C0"/>
-                </a:solidFill>
-                <a:latin typeface="微軟正黑體" pitchFamily="34" charset="-120"/>
-                <a:ea typeface="微軟正黑體" pitchFamily="34" charset="-120"/>
-              </a:rPr>
-              <a:t>模擬神經細胞</a:t>
-            </a:r>
-            <a:endParaRPr b="1" dirty="0">
-              <a:solidFill>
-                <a:srgbClr val="0070C0"/>
-              </a:solidFill>
-              <a:latin typeface="微軟正黑體" pitchFamily="34" charset="-120"/>
-              <a:ea typeface="微軟正黑體" pitchFamily="34" charset="-120"/>
-            </a:endParaRPr>
-          </a:p>
-        </p:txBody>
-      </p:sp>
-      <p:pic>
-        <p:nvPicPr>
-          <p:cNvPr id="2050" name="Picture 2"/>
-          <p:cNvPicPr>
-            <a:picLocks noChangeAspect="1" noChangeArrowheads="1"/>
-          </p:cNvPicPr>
-          <p:nvPr/>
-        </p:nvPicPr>
-        <p:blipFill>
-          <a:blip r:embed="rId3"/>
-          <a:srcRect/>
-          <a:stretch>
-            <a:fillRect/>
-          </a:stretch>
-        </p:blipFill>
-        <p:spPr bwMode="auto">
-          <a:xfrm>
-            <a:off x="395536" y="1635646"/>
-            <a:ext cx="3358930" cy="2088232"/>
-          </a:xfrm>
-          <a:prstGeom prst="rect">
-            <a:avLst/>
-          </a:prstGeom>
-          <a:noFill/>
-          <a:ln w="9525">
-            <a:noFill/>
-            <a:miter lim="800000"/>
-            <a:headEnd/>
-            <a:tailEnd/>
-          </a:ln>
-        </p:spPr>
-      </p:pic>
-      <p:sp>
-        <p:nvSpPr>
-          <p:cNvPr id="5" name="矩形 4"/>
-          <p:cNvSpPr/>
-          <p:nvPr/>
-        </p:nvSpPr>
-        <p:spPr>
-          <a:xfrm>
-            <a:off x="3815408" y="1779662"/>
-            <a:ext cx="5328592" cy="1754326"/>
-          </a:xfrm>
-          <a:prstGeom prst="rect">
-            <a:avLst/>
-          </a:prstGeom>
-        </p:spPr>
-        <p:txBody>
-          <a:bodyPr wrap="square">
-            <a:spAutoFit/>
-          </a:bodyPr>
-          <a:lstStyle/>
-          <a:p>
-            <a:r>
-              <a:rPr lang="zh-TW" altLang="en-US" sz="1800" b="1" dirty="0" smtClean="0">
-                <a:latin typeface="微軟正黑體" pitchFamily="34" charset="-120"/>
-                <a:ea typeface="微軟正黑體" pitchFamily="34" charset="-120"/>
-              </a:rPr>
-              <a:t>神經元</a:t>
-            </a:r>
-            <a:r>
-              <a:rPr lang="en-US" altLang="zh-TW" sz="1800" b="1" dirty="0" smtClean="0">
-                <a:latin typeface="微軟正黑體" pitchFamily="34" charset="-120"/>
-                <a:ea typeface="微軟正黑體" pitchFamily="34" charset="-120"/>
-              </a:rPr>
-              <a:t>-&gt;</a:t>
-            </a:r>
-            <a:r>
-              <a:rPr lang="zh-TW" altLang="en-US" sz="1800" b="1" dirty="0" smtClean="0">
-                <a:latin typeface="微軟正黑體" pitchFamily="34" charset="-120"/>
-                <a:ea typeface="微軟正黑體" pitchFamily="34" charset="-120"/>
-              </a:rPr>
-              <a:t>單個神經細胞</a:t>
-            </a:r>
-            <a:endParaRPr lang="en-US" altLang="zh-TW" sz="1800" b="1" dirty="0" smtClean="0">
-              <a:latin typeface="微軟正黑體" pitchFamily="34" charset="-120"/>
-              <a:ea typeface="微軟正黑體" pitchFamily="34" charset="-120"/>
-            </a:endParaRPr>
-          </a:p>
-          <a:p>
-            <a:r>
-              <a:rPr lang="en-US" altLang="zh-TW" sz="1800" b="1" dirty="0" smtClean="0">
-                <a:latin typeface="微軟正黑體" pitchFamily="34" charset="-120"/>
-                <a:ea typeface="微軟正黑體" pitchFamily="34" charset="-120"/>
-              </a:rPr>
-              <a:t>a1-an (</a:t>
-            </a:r>
-            <a:r>
-              <a:rPr lang="zh-TW" altLang="en-US" sz="1800" b="1" dirty="0" smtClean="0">
-                <a:latin typeface="微軟正黑體" pitchFamily="34" charset="-120"/>
-                <a:ea typeface="微軟正黑體" pitchFamily="34" charset="-120"/>
-              </a:rPr>
-              <a:t>輸入值</a:t>
-            </a:r>
-            <a:r>
-              <a:rPr lang="en-US" altLang="zh-TW" sz="1800" b="1" dirty="0" smtClean="0">
-                <a:latin typeface="微軟正黑體" pitchFamily="34" charset="-120"/>
-                <a:ea typeface="微軟正黑體" pitchFamily="34" charset="-120"/>
-              </a:rPr>
-              <a:t>)-&gt;</a:t>
-            </a:r>
-            <a:r>
-              <a:rPr lang="zh-TW" altLang="en-US" sz="1800" b="1" dirty="0" smtClean="0">
-                <a:latin typeface="微軟正黑體" pitchFamily="34" charset="-120"/>
-                <a:ea typeface="微軟正黑體" pitchFamily="34" charset="-120"/>
-              </a:rPr>
-              <a:t>來自其它神經元的信號量</a:t>
-            </a:r>
-            <a:endParaRPr lang="en-US" altLang="zh-TW" sz="1800" b="1" dirty="0" smtClean="0">
-              <a:latin typeface="微軟正黑體" pitchFamily="34" charset="-120"/>
-              <a:ea typeface="微軟正黑體" pitchFamily="34" charset="-120"/>
-            </a:endParaRPr>
-          </a:p>
-          <a:p>
-            <a:r>
-              <a:rPr lang="en-US" altLang="zh-TW" sz="1800" b="1" dirty="0" smtClean="0">
-                <a:latin typeface="微軟正黑體" pitchFamily="34" charset="-120"/>
-                <a:ea typeface="微軟正黑體" pitchFamily="34" charset="-120"/>
-              </a:rPr>
-              <a:t>w1-wn (</a:t>
-            </a:r>
-            <a:r>
-              <a:rPr lang="zh-TW" altLang="en-US" sz="1800" b="1" dirty="0" smtClean="0">
-                <a:latin typeface="微軟正黑體" pitchFamily="34" charset="-120"/>
-                <a:ea typeface="微軟正黑體" pitchFamily="34" charset="-120"/>
-              </a:rPr>
-              <a:t>權重</a:t>
-            </a:r>
-            <a:r>
-              <a:rPr lang="en-US" altLang="zh-TW" sz="1800" b="1" dirty="0" smtClean="0">
-                <a:latin typeface="微軟正黑體" pitchFamily="34" charset="-120"/>
-                <a:ea typeface="微軟正黑體" pitchFamily="34" charset="-120"/>
-              </a:rPr>
-              <a:t>)-&gt;</a:t>
-            </a:r>
-            <a:r>
-              <a:rPr lang="zh-TW" altLang="en-US" sz="1800" b="1" dirty="0" smtClean="0">
-                <a:latin typeface="微軟正黑體" pitchFamily="34" charset="-120"/>
-                <a:ea typeface="微軟正黑體" pitchFamily="34" charset="-120"/>
-              </a:rPr>
-              <a:t>突觸的強度</a:t>
-            </a:r>
-            <a:endParaRPr lang="en-US" altLang="zh-TW" sz="1800" b="1" dirty="0" smtClean="0">
-              <a:latin typeface="微軟正黑體" pitchFamily="34" charset="-120"/>
-              <a:ea typeface="微軟正黑體" pitchFamily="34" charset="-120"/>
-            </a:endParaRPr>
-          </a:p>
-          <a:p>
-            <a:r>
-              <a:rPr lang="en-US" altLang="zh-TW" sz="1800" b="1" dirty="0" smtClean="0">
-                <a:latin typeface="微軟正黑體" pitchFamily="34" charset="-120"/>
-                <a:ea typeface="微軟正黑體" pitchFamily="34" charset="-120"/>
-              </a:rPr>
-              <a:t>b -&gt;</a:t>
-            </a:r>
-            <a:r>
-              <a:rPr lang="zh-TW" altLang="en-US" sz="1800" b="1" dirty="0" smtClean="0">
-                <a:latin typeface="微軟正黑體" pitchFamily="34" charset="-120"/>
-                <a:ea typeface="微軟正黑體" pitchFamily="34" charset="-120"/>
-              </a:rPr>
-              <a:t>門檻值</a:t>
-            </a:r>
-            <a:endParaRPr lang="en-US" altLang="zh-TW" sz="1800" b="1" dirty="0" smtClean="0">
-              <a:latin typeface="微軟正黑體" pitchFamily="34" charset="-120"/>
-              <a:ea typeface="微軟正黑體" pitchFamily="34" charset="-120"/>
-            </a:endParaRPr>
-          </a:p>
-          <a:p>
-            <a:r>
-              <a:rPr lang="en-US" altLang="zh-TW" sz="1800" b="1" dirty="0" smtClean="0">
-                <a:latin typeface="微軟正黑體" pitchFamily="34" charset="-120"/>
-                <a:ea typeface="微軟正黑體" pitchFamily="34" charset="-120"/>
-              </a:rPr>
-              <a:t>f-&gt;</a:t>
-            </a:r>
-            <a:r>
-              <a:rPr lang="zh-TW" altLang="en-US" sz="1800" b="1" dirty="0" smtClean="0">
-                <a:latin typeface="微軟正黑體" pitchFamily="34" charset="-120"/>
-                <a:ea typeface="微軟正黑體" pitchFamily="34" charset="-120"/>
-              </a:rPr>
-              <a:t>傳遞函數</a:t>
-            </a:r>
-            <a:endParaRPr lang="en-US" altLang="zh-TW" sz="1800" b="1" dirty="0" smtClean="0">
-              <a:latin typeface="微軟正黑體" pitchFamily="34" charset="-120"/>
-              <a:ea typeface="微軟正黑體" pitchFamily="34" charset="-120"/>
-            </a:endParaRPr>
-          </a:p>
-          <a:p>
-            <a:r>
-              <a:rPr lang="en-US" altLang="zh-TW" sz="1800" b="1" dirty="0" smtClean="0">
-                <a:latin typeface="微軟正黑體" pitchFamily="34" charset="-120"/>
-                <a:ea typeface="微軟正黑體" pitchFamily="34" charset="-120"/>
-              </a:rPr>
-              <a:t>t-&gt;</a:t>
-            </a:r>
-            <a:r>
-              <a:rPr lang="zh-TW" altLang="en-US" sz="1800" b="1" dirty="0" smtClean="0">
-                <a:latin typeface="微軟正黑體" pitchFamily="34" charset="-120"/>
-                <a:ea typeface="微軟正黑體" pitchFamily="34" charset="-120"/>
-              </a:rPr>
-              <a:t>信號量輸出</a:t>
-            </a:r>
-            <a:endParaRPr lang="zh-TW" altLang="en-US" sz="1800" b="1" dirty="0">
-              <a:latin typeface="微軟正黑體" pitchFamily="34" charset="-120"/>
-              <a:ea typeface="微軟正黑體" pitchFamily="34" charset="-120"/>
-            </a:endParaRPr>
-          </a:p>
-        </p:txBody>
-      </p:sp>
-    </p:spTree>
-  </p:cSld>
-  <p:clrMapOvr>
-    <a:masterClrMapping/>
-  </p:clrMapOvr>
-</p:sld>
-</file>
-
-<file path=ppt/slides/slide30.xml><?xml version="1.0" encoding="utf-8"?>
+<file path=ppt/slides/slide31.xml><?xml version="1.0" encoding="utf-8"?>
 <p:sld xmlns:a="http://schemas.openxmlformats.org/drawingml/2006/main" xmlns:r="http://schemas.openxmlformats.org/officeDocument/2006/relationships" xmlns:p="http://schemas.openxmlformats.org/presentationml/2006/main">
   <p:cSld>
     <p:spTree>
@@ -28768,7 +28906,7 @@
 </p:sld>
 </file>
 
-<file path=ppt/slides/slide31.xml><?xml version="1.0" encoding="utf-8"?>
+<file path=ppt/slides/slide32.xml><?xml version="1.0" encoding="utf-8"?>
 <p:sld xmlns:a="http://schemas.openxmlformats.org/drawingml/2006/main" xmlns:r="http://schemas.openxmlformats.org/officeDocument/2006/relationships" xmlns:p="http://schemas.openxmlformats.org/presentationml/2006/main">
   <p:cSld>
     <p:spTree>
@@ -29281,301 +29419,6 @@
 </p:sld>
 </file>
 
-<file path=ppt/slides/slide32.xml><?xml version="1.0" encoding="utf-8"?>
-<p:sld xmlns:a="http://schemas.openxmlformats.org/drawingml/2006/main" xmlns:r="http://schemas.openxmlformats.org/officeDocument/2006/relationships" xmlns:p="http://schemas.openxmlformats.org/presentationml/2006/main">
-  <p:cSld>
-    <p:spTree>
-      <p:nvGrpSpPr>
-        <p:cNvPr id="1" name="Shape 226"/>
-        <p:cNvGrpSpPr/>
-        <p:nvPr/>
-      </p:nvGrpSpPr>
-      <p:grpSpPr>
-        <a:xfrm>
-          <a:off x="0" y="0"/>
-          <a:ext cx="0" cy="0"/>
-          <a:chOff x="0" y="0"/>
-          <a:chExt cx="0" cy="0"/>
-        </a:xfrm>
-      </p:grpSpPr>
-      <p:sp>
-        <p:nvSpPr>
-          <p:cNvPr id="227" name="Google Shape;227;p48"/>
-          <p:cNvSpPr txBox="1">
-            <a:spLocks noGrp="1"/>
-          </p:cNvSpPr>
-          <p:nvPr>
-            <p:ph type="title"/>
-          </p:nvPr>
-        </p:nvSpPr>
-        <p:spPr>
-          <a:xfrm>
-            <a:off x="467544" y="0"/>
-            <a:ext cx="8280900" cy="1239000"/>
-          </a:xfrm>
-          <a:prstGeom prst="rect">
-            <a:avLst/>
-          </a:prstGeom>
-          <a:noFill/>
-          <a:ln>
-            <a:noFill/>
-          </a:ln>
-        </p:spPr>
-        <p:txBody>
-          <a:bodyPr spcFirstLastPara="1" wrap="square" lIns="20100" tIns="20100" rIns="20100" bIns="20100" anchor="ctr" anchorCtr="0">
-            <a:noAutofit/>
-          </a:bodyPr>
-          <a:lstStyle/>
-          <a:p>
-            <a:pPr marL="0" marR="0" lvl="0" indent="0" algn="ctr" rtl="0">
-              <a:lnSpc>
-                <a:spcPct val="100000"/>
-              </a:lnSpc>
-              <a:spcBef>
-                <a:spcPts val="0"/>
-              </a:spcBef>
-              <a:spcAft>
-                <a:spcPts val="0"/>
-              </a:spcAft>
-              <a:buClr>
-                <a:srgbClr val="000000"/>
-              </a:buClr>
-              <a:buFont typeface="Gill Sans"/>
-              <a:buNone/>
-            </a:pPr>
-            <a:r>
-              <a:rPr lang="zh-TW" altLang="en-US" b="1" dirty="0" smtClean="0">
-                <a:solidFill>
-                  <a:srgbClr val="0070C0"/>
-                </a:solidFill>
-                <a:latin typeface="微軟正黑體" pitchFamily="34" charset="-120"/>
-                <a:ea typeface="微軟正黑體" pitchFamily="34" charset="-120"/>
-              </a:rPr>
-              <a:t>監督式學習</a:t>
-            </a:r>
-            <a:r>
-              <a:rPr lang="en-US" altLang="zh-TW" b="1" dirty="0" smtClean="0">
-                <a:solidFill>
-                  <a:srgbClr val="0070C0"/>
-                </a:solidFill>
-                <a:latin typeface="微軟正黑體" pitchFamily="34" charset="-120"/>
-                <a:ea typeface="微軟正黑體" pitchFamily="34" charset="-120"/>
-              </a:rPr>
-              <a:t>(Supervised Learning)</a:t>
-            </a:r>
-            <a:endParaRPr b="1" dirty="0">
-              <a:solidFill>
-                <a:srgbClr val="0070C0"/>
-              </a:solidFill>
-              <a:latin typeface="微軟正黑體" pitchFamily="34" charset="-120"/>
-              <a:ea typeface="微軟正黑體" pitchFamily="34" charset="-120"/>
-            </a:endParaRPr>
-          </a:p>
-        </p:txBody>
-      </p:sp>
-      <p:sp>
-        <p:nvSpPr>
-          <p:cNvPr id="5" name="矩形 4"/>
-          <p:cNvSpPr/>
-          <p:nvPr/>
-        </p:nvSpPr>
-        <p:spPr>
-          <a:xfrm>
-            <a:off x="1331640" y="1995686"/>
-            <a:ext cx="6552728" cy="1938992"/>
-          </a:xfrm>
-          <a:prstGeom prst="rect">
-            <a:avLst/>
-          </a:prstGeom>
-        </p:spPr>
-        <p:txBody>
-          <a:bodyPr wrap="square">
-            <a:spAutoFit/>
-          </a:bodyPr>
-          <a:lstStyle/>
-          <a:p>
-            <a:pPr marL="87313" indent="-87313">
-              <a:buFont typeface="Arial" pitchFamily="34" charset="0"/>
-              <a:buChar char="•"/>
-            </a:pPr>
-            <a:r>
-              <a:rPr lang="zh-TW" altLang="en-US" sz="2000" dirty="0" smtClean="0">
-                <a:latin typeface="微軟正黑體" pitchFamily="34" charset="-120"/>
-                <a:ea typeface="微軟正黑體" pitchFamily="34" charset="-120"/>
-              </a:rPr>
-              <a:t>如同小朋友學習一樣，不斷提供</a:t>
-            </a:r>
-            <a:r>
-              <a:rPr lang="zh-TW" altLang="en-US" sz="2000" b="1" dirty="0" smtClean="0">
-                <a:solidFill>
-                  <a:srgbClr val="FF0000"/>
-                </a:solidFill>
-                <a:latin typeface="微軟正黑體" pitchFamily="34" charset="-120"/>
-                <a:ea typeface="微軟正黑體" pitchFamily="34" charset="-120"/>
-              </a:rPr>
-              <a:t>有標記</a:t>
-            </a:r>
-            <a:r>
-              <a:rPr lang="zh-TW" altLang="en-US" sz="2000" dirty="0" smtClean="0">
-                <a:latin typeface="微軟正黑體" pitchFamily="34" charset="-120"/>
-                <a:ea typeface="微軟正黑體" pitchFamily="34" charset="-120"/>
-              </a:rPr>
-              <a:t>的資料</a:t>
-            </a:r>
-            <a:endParaRPr lang="en-US" altLang="zh-TW" sz="2000" dirty="0" smtClean="0">
-              <a:latin typeface="微軟正黑體" pitchFamily="34" charset="-120"/>
-              <a:ea typeface="微軟正黑體" pitchFamily="34" charset="-120"/>
-            </a:endParaRPr>
-          </a:p>
-          <a:p>
-            <a:pPr marL="87313" indent="-87313">
-              <a:buFont typeface="Arial" pitchFamily="34" charset="0"/>
-              <a:buChar char="•"/>
-            </a:pPr>
-            <a:r>
-              <a:rPr lang="zh-TW" altLang="en-US" sz="2000" dirty="0" smtClean="0">
-                <a:latin typeface="微軟正黑體" pitchFamily="34" charset="-120"/>
-                <a:ea typeface="微軟正黑體" pitchFamily="34" charset="-120"/>
-              </a:rPr>
-              <a:t>給</a:t>
-            </a:r>
-            <a:r>
-              <a:rPr lang="en-US" altLang="zh-TW" sz="2000" dirty="0" smtClean="0">
-                <a:latin typeface="微軟正黑體" pitchFamily="34" charset="-120"/>
-                <a:ea typeface="微軟正黑體" pitchFamily="34" charset="-120"/>
-              </a:rPr>
-              <a:t>100</a:t>
-            </a:r>
-            <a:r>
-              <a:rPr lang="zh-TW" altLang="en-US" sz="2000" dirty="0" smtClean="0">
-                <a:latin typeface="微軟正黑體" pitchFamily="34" charset="-120"/>
-                <a:ea typeface="微軟正黑體" pitchFamily="34" charset="-120"/>
-              </a:rPr>
-              <a:t>張狗的照片，資料集就是照片，標記就是</a:t>
-            </a:r>
-            <a:r>
-              <a:rPr lang="zh-TW" altLang="en-US" sz="2000" b="1" dirty="0" smtClean="0">
-                <a:solidFill>
-                  <a:srgbClr val="FF0000"/>
-                </a:solidFill>
-                <a:latin typeface="微軟正黑體" pitchFamily="34" charset="-120"/>
-                <a:ea typeface="微軟正黑體" pitchFamily="34" charset="-120"/>
-              </a:rPr>
-              <a:t>狗</a:t>
-            </a:r>
-            <a:endParaRPr lang="en-US" altLang="zh-TW" sz="2000" b="1" dirty="0" smtClean="0">
-              <a:solidFill>
-                <a:srgbClr val="FF0000"/>
-              </a:solidFill>
-              <a:latin typeface="微軟正黑體" pitchFamily="34" charset="-120"/>
-              <a:ea typeface="微軟正黑體" pitchFamily="34" charset="-120"/>
-            </a:endParaRPr>
-          </a:p>
-          <a:p>
-            <a:pPr marL="87313" indent="-87313">
-              <a:buFont typeface="Arial" pitchFamily="34" charset="0"/>
-              <a:buChar char="•"/>
-            </a:pPr>
-            <a:r>
-              <a:rPr lang="zh-TW" altLang="en-US" sz="2000" dirty="0" smtClean="0">
-                <a:latin typeface="微軟正黑體" pitchFamily="34" charset="-120"/>
-                <a:ea typeface="微軟正黑體" pitchFamily="34" charset="-120"/>
-              </a:rPr>
-              <a:t>再給</a:t>
-            </a:r>
-            <a:r>
-              <a:rPr lang="en-US" altLang="zh-TW" sz="2000" dirty="0" smtClean="0">
-                <a:latin typeface="微軟正黑體" pitchFamily="34" charset="-120"/>
-                <a:ea typeface="微軟正黑體" pitchFamily="34" charset="-120"/>
-              </a:rPr>
-              <a:t>100</a:t>
-            </a:r>
-            <a:r>
-              <a:rPr lang="zh-TW" altLang="en-US" sz="2000" dirty="0" smtClean="0">
-                <a:latin typeface="微軟正黑體" pitchFamily="34" charset="-120"/>
-                <a:ea typeface="微軟正黑體" pitchFamily="34" charset="-120"/>
-              </a:rPr>
-              <a:t>張貓的照片，資料集就是照片，標記就是</a:t>
-            </a:r>
-            <a:r>
-              <a:rPr lang="zh-TW" altLang="en-US" sz="2000" b="1" dirty="0" smtClean="0">
-                <a:solidFill>
-                  <a:srgbClr val="FF0000"/>
-                </a:solidFill>
-                <a:latin typeface="微軟正黑體" pitchFamily="34" charset="-120"/>
-                <a:ea typeface="微軟正黑體" pitchFamily="34" charset="-120"/>
-              </a:rPr>
-              <a:t>貓</a:t>
-            </a:r>
-            <a:endParaRPr lang="en-US" altLang="zh-TW" sz="2000" b="1" dirty="0" smtClean="0">
-              <a:solidFill>
-                <a:srgbClr val="FF0000"/>
-              </a:solidFill>
-              <a:latin typeface="微軟正黑體" pitchFamily="34" charset="-120"/>
-              <a:ea typeface="微軟正黑體" pitchFamily="34" charset="-120"/>
-            </a:endParaRPr>
-          </a:p>
-          <a:p>
-            <a:pPr marL="87313" indent="-87313">
-              <a:buFont typeface="Arial" pitchFamily="34" charset="0"/>
-              <a:buChar char="•"/>
-            </a:pPr>
-            <a:r>
-              <a:rPr lang="zh-TW" altLang="en-US" sz="2000" dirty="0" smtClean="0">
-                <a:latin typeface="微軟正黑體" pitchFamily="34" charset="-120"/>
-                <a:ea typeface="微軟正黑體" pitchFamily="34" charset="-120"/>
-              </a:rPr>
-              <a:t>小朋友就會在腦中的神經元建立模型</a:t>
-            </a:r>
-            <a:endParaRPr lang="en-US" altLang="zh-TW" sz="2000" dirty="0" smtClean="0">
-              <a:latin typeface="微軟正黑體" pitchFamily="34" charset="-120"/>
-              <a:ea typeface="微軟正黑體" pitchFamily="34" charset="-120"/>
-            </a:endParaRPr>
-          </a:p>
-          <a:p>
-            <a:pPr marL="87313" indent="-87313">
-              <a:buFont typeface="Arial" pitchFamily="34" charset="0"/>
-              <a:buChar char="•"/>
-            </a:pPr>
-            <a:r>
-              <a:rPr lang="zh-TW" altLang="en-US" sz="2000" dirty="0" smtClean="0">
-                <a:latin typeface="微軟正黑體" pitchFamily="34" charset="-120"/>
-                <a:ea typeface="微軟正黑體" pitchFamily="34" charset="-120"/>
-              </a:rPr>
-              <a:t>給不屬於上列</a:t>
-            </a:r>
-            <a:r>
-              <a:rPr lang="en-US" altLang="zh-TW" sz="2000" dirty="0" smtClean="0">
-                <a:latin typeface="微軟正黑體" pitchFamily="34" charset="-120"/>
-                <a:ea typeface="微軟正黑體" pitchFamily="34" charset="-120"/>
-              </a:rPr>
-              <a:t>200</a:t>
-            </a:r>
-            <a:r>
-              <a:rPr lang="zh-TW" altLang="en-US" sz="2000" dirty="0" smtClean="0">
-                <a:latin typeface="微軟正黑體" pitchFamily="34" charset="-120"/>
-                <a:ea typeface="微軟正黑體" pitchFamily="34" charset="-120"/>
-              </a:rPr>
-              <a:t>張的新照片，大人知道是什麼，小孩不知道，請小孩說出答案</a:t>
-            </a:r>
-            <a:endParaRPr lang="zh-TW" altLang="en-US" sz="2000" b="1" dirty="0">
-              <a:solidFill>
-                <a:srgbClr val="FF0000"/>
-              </a:solidFill>
-              <a:latin typeface="微軟正黑體" pitchFamily="34" charset="-120"/>
-              <a:ea typeface="微軟正黑體" pitchFamily="34" charset="-120"/>
-            </a:endParaRPr>
-          </a:p>
-        </p:txBody>
-      </p:sp>
-    </p:spTree>
-  </p:cSld>
-  <p:clrMapOvr>
-    <a:masterClrMapping/>
-  </p:clrMapOvr>
-</p:sld>
-</file>
-
 <file path=ppt/slides/slide33.xml><?xml version="1.0" encoding="utf-8"?>
 <p:sld xmlns:a="http://schemas.openxmlformats.org/drawingml/2006/main" xmlns:r="http://schemas.openxmlformats.org/officeDocument/2006/relationships" xmlns:p="http://schemas.openxmlformats.org/presentationml/2006/main">
   <p:cSld>
@@ -29689,31 +29532,16 @@
           </a:bodyPr>
           <a:lstStyle/>
           <a:p>
-            <a:pPr>
+            <a:pPr marL="87313" indent="-87313">
               <a:buFont typeface="Arial" pitchFamily="34" charset="0"/>
               <a:buChar char="•"/>
             </a:pPr>
-            <a:r>
-              <a:rPr lang="en-US" altLang="zh-TW" sz="2000" dirty="0" smtClean="0">
-                <a:latin typeface="微軟正黑體" pitchFamily="34" charset="-120"/>
-                <a:ea typeface="微軟正黑體" pitchFamily="34" charset="-120"/>
-              </a:rPr>
-              <a:t>200</a:t>
-            </a:r>
             <a:r>
               <a:rPr lang="zh-TW" altLang="en-US" sz="2000" dirty="0" smtClean="0">
                 <a:latin typeface="微軟正黑體" pitchFamily="34" charset="-120"/>
                 <a:ea typeface="微軟正黑體" pitchFamily="34" charset="-120"/>
               </a:rPr>
-              <a:t>張照片 </a:t>
-            </a:r>
-            <a:r>
-              <a:rPr lang="en-US" altLang="zh-TW" sz="2000" dirty="0" smtClean="0">
-                <a:latin typeface="微軟正黑體" pitchFamily="34" charset="-120"/>
-                <a:ea typeface="微軟正黑體" pitchFamily="34" charset="-120"/>
-                <a:sym typeface="Wingdings" pitchFamily="2" charset="2"/>
-              </a:rPr>
-              <a:t> </a:t>
+              <a:t>如同小朋友學習一樣，不斷提供</a:t>
             </a:r>
             <a:r>
               <a:rPr lang="zh-TW" altLang="en-US" sz="2000" b="1" dirty="0" smtClean="0">
@@ -29722,39 +29550,46 @@
                 </a:solidFill>
                 <a:latin typeface="微軟正黑體" pitchFamily="34" charset="-120"/>
                 <a:ea typeface="微軟正黑體" pitchFamily="34" charset="-120"/>
-                <a:sym typeface="Wingdings" pitchFamily="2" charset="2"/>
-              </a:rPr>
-              <a:t>訓練集</a:t>
-            </a:r>
-            <a:endParaRPr lang="en-US" altLang="zh-TW" sz="2000" b="1" dirty="0" smtClean="0">
-              <a:solidFill>
-                <a:srgbClr val="FF0000"/>
-              </a:solidFill>
-              <a:latin typeface="微軟正黑體" pitchFamily="34" charset="-120"/>
-              <a:ea typeface="微軟正黑體" pitchFamily="34" charset="-120"/>
-              <a:sym typeface="Wingdings" pitchFamily="2" charset="2"/>
-            </a:endParaRPr>
-          </a:p>
-          <a:p>
-            <a:pPr>
-              <a:buFont typeface="Arial" pitchFamily="34" charset="0"/>
-              <a:buChar char="•"/>
-            </a:pPr>
+              </a:rPr>
+              <a:t>有標記</a:t>
+            </a:r>
             <a:r>
               <a:rPr lang="zh-TW" altLang="en-US" sz="2000" dirty="0" smtClean="0">
                 <a:latin typeface="微軟正黑體" pitchFamily="34" charset="-120"/>
                 <a:ea typeface="微軟正黑體" pitchFamily="34" charset="-120"/>
-                <a:sym typeface="Wingdings" pitchFamily="2" charset="2"/>
-              </a:rPr>
-              <a:t>狗、貓 </a:t>
+              </a:rPr>
+              <a:t>的資料</a:t>
+            </a:r>
+            <a:endParaRPr lang="en-US" altLang="zh-TW" sz="2000" dirty="0" smtClean="0">
+              <a:latin typeface="微軟正黑體" pitchFamily="34" charset="-120"/>
+              <a:ea typeface="微軟正黑體" pitchFamily="34" charset="-120"/>
+            </a:endParaRPr>
+          </a:p>
+          <a:p>
+            <a:pPr marL="87313" indent="-87313">
+              <a:buFont typeface="Arial" pitchFamily="34" charset="0"/>
+              <a:buChar char="•"/>
+            </a:pPr>
+            <a:r>
+              <a:rPr lang="zh-TW" altLang="en-US" sz="2000" dirty="0" smtClean="0">
+                <a:latin typeface="微軟正黑體" pitchFamily="34" charset="-120"/>
+                <a:ea typeface="微軟正黑體" pitchFamily="34" charset="-120"/>
+              </a:rPr>
+              <a:t>給</a:t>
             </a:r>
             <a:r>
               <a:rPr lang="en-US" altLang="zh-TW" sz="2000" dirty="0" smtClean="0">
                 <a:latin typeface="微軟正黑體" pitchFamily="34" charset="-120"/>
                 <a:ea typeface="微軟正黑體" pitchFamily="34" charset="-120"/>
-                <a:sym typeface="Wingdings" pitchFamily="2" charset="2"/>
-              </a:rPr>
-              <a:t> </a:t>
+              </a:rPr>
+              <a:t>100</a:t>
+            </a:r>
+            <a:r>
+              <a:rPr lang="zh-TW" altLang="en-US" sz="2000" dirty="0" smtClean="0">
+                <a:latin typeface="微軟正黑體" pitchFamily="34" charset="-120"/>
+                <a:ea typeface="微軟正黑體" pitchFamily="34" charset="-120"/>
+              </a:rPr>
+              <a:t>張狗的照片，資料集就是照片，標記就是</a:t>
             </a:r>
             <a:r>
               <a:rPr lang="zh-TW" altLang="en-US" sz="2000" b="1" dirty="0" smtClean="0">
@@ -29763,160 +29598,8 @@
                 </a:solidFill>
                 <a:latin typeface="微軟正黑體" pitchFamily="34" charset="-120"/>
                 <a:ea typeface="微軟正黑體" pitchFamily="34" charset="-120"/>
-                <a:sym typeface="Wingdings" pitchFamily="2" charset="2"/>
-              </a:rPr>
-              <a:t>標記</a:t>
-            </a:r>
-            <a:endParaRPr lang="en-US" altLang="zh-TW" sz="2000" b="1" dirty="0" smtClean="0">
-              <a:solidFill>
-                <a:srgbClr val="FF0000"/>
-              </a:solidFill>
-              <a:latin typeface="微軟正黑體" pitchFamily="34" charset="-120"/>
-              <a:ea typeface="微軟正黑體" pitchFamily="34" charset="-120"/>
-              <a:sym typeface="Wingdings" pitchFamily="2" charset="2"/>
-            </a:endParaRPr>
-          </a:p>
-          <a:p>
-            <a:pPr>
-              <a:buFont typeface="Arial" pitchFamily="34" charset="0"/>
-              <a:buChar char="•"/>
-            </a:pPr>
-            <a:r>
-              <a:rPr lang="zh-TW" altLang="en-US" sz="2000" dirty="0" smtClean="0">
-                <a:latin typeface="微軟正黑體" pitchFamily="34" charset="-120"/>
-                <a:ea typeface="微軟正黑體" pitchFamily="34" charset="-120"/>
-                <a:sym typeface="Wingdings" pitchFamily="2" charset="2"/>
-              </a:rPr>
-              <a:t>小孩的腦 </a:t>
-            </a:r>
-            <a:r>
-              <a:rPr lang="en-US" altLang="zh-TW" sz="2000" dirty="0" smtClean="0">
-                <a:latin typeface="微軟正黑體" pitchFamily="34" charset="-120"/>
-                <a:ea typeface="微軟正黑體" pitchFamily="34" charset="-120"/>
-                <a:sym typeface="Wingdings" pitchFamily="2" charset="2"/>
-              </a:rPr>
-              <a:t> </a:t>
-            </a:r>
-            <a:r>
-              <a:rPr lang="zh-TW" altLang="en-US" sz="2000" b="1" dirty="0" smtClean="0">
-                <a:solidFill>
-                  <a:srgbClr val="FF0000"/>
-                </a:solidFill>
-                <a:latin typeface="微軟正黑體" pitchFamily="34" charset="-120"/>
-                <a:ea typeface="微軟正黑體" pitchFamily="34" charset="-120"/>
-                <a:sym typeface="Wingdings" pitchFamily="2" charset="2"/>
-              </a:rPr>
-              <a:t>模型</a:t>
-            </a:r>
-            <a:endParaRPr lang="en-US" altLang="zh-TW" sz="2000" b="1" dirty="0" smtClean="0">
-              <a:solidFill>
-                <a:srgbClr val="FF0000"/>
-              </a:solidFill>
-              <a:latin typeface="微軟正黑體" pitchFamily="34" charset="-120"/>
-              <a:ea typeface="微軟正黑體" pitchFamily="34" charset="-120"/>
-              <a:sym typeface="Wingdings" pitchFamily="2" charset="2"/>
-            </a:endParaRPr>
-          </a:p>
-          <a:p>
-            <a:pPr>
-              <a:buFont typeface="Arial" pitchFamily="34" charset="0"/>
-              <a:buChar char="•"/>
-            </a:pPr>
-            <a:r>
-              <a:rPr lang="zh-TW" altLang="en-US" sz="2000" dirty="0" smtClean="0">
-                <a:latin typeface="微軟正黑體" pitchFamily="34" charset="-120"/>
-                <a:ea typeface="微軟正黑體" pitchFamily="34" charset="-120"/>
-                <a:sym typeface="Wingdings" pitchFamily="2" charset="2"/>
-              </a:rPr>
-              <a:t>一張新的照片 </a:t>
-            </a:r>
-            <a:r>
-              <a:rPr lang="en-US" altLang="zh-TW" sz="2000" dirty="0" smtClean="0">
-                <a:latin typeface="微軟正黑體" pitchFamily="34" charset="-120"/>
-                <a:ea typeface="微軟正黑體" pitchFamily="34" charset="-120"/>
-                <a:sym typeface="Wingdings" pitchFamily="2" charset="2"/>
-              </a:rPr>
-              <a:t></a:t>
-            </a:r>
-            <a:r>
-              <a:rPr lang="zh-TW" altLang="en-US" sz="2000" b="1" dirty="0" smtClean="0">
-                <a:solidFill>
-                  <a:srgbClr val="FF0000"/>
-                </a:solidFill>
-                <a:latin typeface="微軟正黑體" pitchFamily="34" charset="-120"/>
-                <a:ea typeface="微軟正黑體" pitchFamily="34" charset="-120"/>
-                <a:sym typeface="Wingdings" pitchFamily="2" charset="2"/>
-              </a:rPr>
-              <a:t>測試集</a:t>
-            </a:r>
-            <a:endParaRPr lang="en-US" altLang="zh-TW" sz="2000" b="1" dirty="0" smtClean="0">
-              <a:solidFill>
-                <a:srgbClr val="FF0000"/>
-              </a:solidFill>
-              <a:latin typeface="微軟正黑體" pitchFamily="34" charset="-120"/>
-              <a:ea typeface="微軟正黑體" pitchFamily="34" charset="-120"/>
-              <a:sym typeface="Wingdings" pitchFamily="2" charset="2"/>
-            </a:endParaRPr>
-          </a:p>
-          <a:p>
-            <a:pPr>
-              <a:buFont typeface="Arial" pitchFamily="34" charset="0"/>
-              <a:buChar char="•"/>
-            </a:pPr>
-            <a:r>
-              <a:rPr lang="zh-TW" altLang="en-US" sz="2000" dirty="0" smtClean="0">
-                <a:solidFill>
-                  <a:schemeClr val="tx1"/>
-                </a:solidFill>
-                <a:latin typeface="微軟正黑體" pitchFamily="34" charset="-120"/>
-                <a:ea typeface="微軟正黑體" pitchFamily="34" charset="-120"/>
-                <a:sym typeface="Wingdings" pitchFamily="2" charset="2"/>
-              </a:rPr>
-              <a:t>把</a:t>
-            </a:r>
-            <a:r>
-              <a:rPr lang="en-US" altLang="zh-TW" sz="2000" dirty="0" smtClean="0">
-                <a:solidFill>
-                  <a:schemeClr val="tx1"/>
-                </a:solidFill>
-                <a:latin typeface="微軟正黑體" pitchFamily="34" charset="-120"/>
-                <a:ea typeface="微軟正黑體" pitchFamily="34" charset="-120"/>
-                <a:sym typeface="Wingdings" pitchFamily="2" charset="2"/>
-              </a:rPr>
-              <a:t>200</a:t>
-            </a:r>
-            <a:r>
-              <a:rPr lang="zh-TW" altLang="en-US" sz="2000" dirty="0" smtClean="0">
-                <a:solidFill>
-                  <a:schemeClr val="tx1"/>
-                </a:solidFill>
-                <a:latin typeface="微軟正黑體" pitchFamily="34" charset="-120"/>
-                <a:ea typeface="微軟正黑體" pitchFamily="34" charset="-120"/>
-                <a:sym typeface="Wingdings" pitchFamily="2" charset="2"/>
-              </a:rPr>
-              <a:t>張照片給小孩看 </a:t>
-            </a:r>
-            <a:r>
-              <a:rPr lang="en-US" altLang="zh-TW" sz="2000" dirty="0" smtClean="0">
-                <a:solidFill>
-                  <a:schemeClr val="tx1"/>
-                </a:solidFill>
-                <a:latin typeface="微軟正黑體" pitchFamily="34" charset="-120"/>
-                <a:ea typeface="微軟正黑體" pitchFamily="34" charset="-120"/>
-                <a:sym typeface="Wingdings" pitchFamily="2" charset="2"/>
-              </a:rPr>
-              <a:t></a:t>
-            </a:r>
-            <a:r>
-              <a:rPr lang="zh-TW" altLang="en-US" sz="2000" b="1" dirty="0" smtClean="0">
-                <a:solidFill>
-                  <a:srgbClr val="FF0000"/>
-                </a:solidFill>
-                <a:latin typeface="微軟正黑體" pitchFamily="34" charset="-120"/>
-                <a:ea typeface="微軟正黑體" pitchFamily="34" charset="-120"/>
-                <a:sym typeface="Wingdings" pitchFamily="2" charset="2"/>
-              </a:rPr>
-              <a:t>訓練模型的過程</a:t>
+              </a:rPr>
+              <a:t>狗</a:t>
             </a:r>
             <a:endParaRPr lang="en-US" altLang="zh-TW" sz="2000" b="1" dirty="0" smtClean="0">
               <a:solidFill>
@@ -29927,6 +29610,92 @@
             </a:endParaRPr>
           </a:p>
           <a:p>
+            <a:pPr marL="87313" indent="-87313">
+              <a:buFont typeface="Arial" pitchFamily="34" charset="0"/>
+              <a:buChar char="•"/>
+            </a:pPr>
+            <a:r>
+              <a:rPr lang="zh-TW" altLang="en-US" sz="2000" dirty="0" smtClean="0">
+                <a:latin typeface="微軟正黑體" pitchFamily="34" charset="-120"/>
+                <a:ea typeface="微軟正黑體" pitchFamily="34" charset="-120"/>
+              </a:rPr>
+              <a:t>再給</a:t>
+            </a:r>
+            <a:r>
+              <a:rPr lang="en-US" altLang="zh-TW" sz="2000" dirty="0" smtClean="0">
+                <a:latin typeface="微軟正黑體" pitchFamily="34" charset="-120"/>
+                <a:ea typeface="微軟正黑體" pitchFamily="34" charset="-120"/>
+              </a:rPr>
+              <a:t>100</a:t>
+            </a:r>
+            <a:r>
+              <a:rPr lang="zh-TW" altLang="en-US" sz="2000" dirty="0" smtClean="0">
+                <a:latin typeface="微軟正黑體" pitchFamily="34" charset="-120"/>
+                <a:ea typeface="微軟正黑體" pitchFamily="34" charset="-120"/>
+              </a:rPr>
+              <a:t>張貓的照片，資料集就是照片，標記就是</a:t>
+            </a:r>
+            <a:r>
+              <a:rPr lang="zh-TW" altLang="en-US" sz="2000" b="1" dirty="0" smtClean="0">
+                <a:solidFill>
+                  <a:srgbClr val="FF0000"/>
+                </a:solidFill>
+                <a:latin typeface="微軟正黑體" pitchFamily="34" charset="-120"/>
+                <a:ea typeface="微軟正黑體" pitchFamily="34" charset="-120"/>
+              </a:rPr>
+              <a:t>貓</a:t>
+            </a:r>
+            <a:endParaRPr lang="en-US" altLang="zh-TW" sz="2000" b="1" dirty="0" smtClean="0">
+              <a:solidFill>
+                <a:srgbClr val="FF0000"/>
+              </a:solidFill>
+              <a:latin typeface="微軟正黑體" pitchFamily="34" charset="-120"/>
+              <a:ea typeface="微軟正黑體" pitchFamily="34" charset="-120"/>
+            </a:endParaRPr>
+          </a:p>
+          <a:p>
+            <a:pPr marL="87313" indent="-87313">
+              <a:buFont typeface="Arial" pitchFamily="34" charset="0"/>
+              <a:buChar char="•"/>
+            </a:pPr>
+            <a:r>
+              <a:rPr lang="zh-TW" altLang="en-US" sz="2000" dirty="0" smtClean="0">
+                <a:latin typeface="微軟正黑體" pitchFamily="34" charset="-120"/>
+                <a:ea typeface="微軟正黑體" pitchFamily="34" charset="-120"/>
+              </a:rPr>
+              <a:t>小朋友就會在腦中的神經元建立模型</a:t>
+            </a:r>
+            <a:endParaRPr lang="en-US" altLang="zh-TW" sz="2000" dirty="0" smtClean="0">
+              <a:latin typeface="微軟正黑體" pitchFamily="34" charset="-120"/>
+              <a:ea typeface="微軟正黑體" pitchFamily="34" charset="-120"/>
+            </a:endParaRPr>
+          </a:p>
+          <a:p>
+            <a:pPr marL="87313" indent="-87313">
+              <a:buFont typeface="Arial" pitchFamily="34" charset="0"/>
+              <a:buChar char="•"/>
+            </a:pPr>
+            <a:r>
+              <a:rPr lang="zh-TW" altLang="en-US" sz="2000" dirty="0" smtClean="0">
+                <a:latin typeface="微軟正黑體" pitchFamily="34" charset="-120"/>
+                <a:ea typeface="微軟正黑體" pitchFamily="34" charset="-120"/>
+              </a:rPr>
+              <a:t>給不屬於上列</a:t>
+            </a:r>
+            <a:r>
+              <a:rPr lang="en-US" altLang="zh-TW" sz="2000" dirty="0" smtClean="0">
+                <a:latin typeface="微軟正黑體" pitchFamily="34" charset="-120"/>
+                <a:ea typeface="微軟正黑體" pitchFamily="34" charset="-120"/>
+              </a:rPr>
+              <a:t>200</a:t>
+            </a:r>
+            <a:r>
+              <a:rPr lang="zh-TW" altLang="en-US" sz="2000" dirty="0" smtClean="0">
+                <a:latin typeface="微軟正黑體" pitchFamily="34" charset="-120"/>
+                <a:ea typeface="微軟正黑體" pitchFamily="34" charset="-120"/>
+              </a:rPr>
+              <a:t>張的新照片，大人知道是什麼，小孩不知道，請小孩說出答案</a:t>
+            </a:r>
             <a:endParaRPr lang="zh-TW" altLang="en-US" sz="2000" b="1" dirty="0">
               <a:solidFill>
                 <a:srgbClr val="FF0000"/>
@@ -30046,7 +29815,7 @@
         <p:spPr>
           <a:xfrm>
             <a:off x="1331640" y="1995686"/>
-            <a:ext cx="6552728" cy="2862322"/>
+            <a:ext cx="6552728" cy="1938992"/>
           </a:xfrm>
           <a:prstGeom prst="rect">
             <a:avLst/>
@@ -30156,7 +29925,7 @@
                 <a:ea typeface="微軟正黑體" pitchFamily="34" charset="-120"/>
                 <a:sym typeface="Wingdings" pitchFamily="2" charset="2"/>
               </a:rPr>
-              <a:t>電腦程式的類神經網路 </a:t>
+              <a:t>小孩的腦 </a:t>
             </a:r>
             <a:r>
               <a:rPr lang="en-US" altLang="zh-TW" sz="2000" dirty="0" smtClean="0">
@@ -30197,7 +29966,7 @@
                 <a:ea typeface="微軟正黑體" pitchFamily="34" charset="-120"/>
                 <a:sym typeface="Wingdings" pitchFamily="2" charset="2"/>
               </a:rPr>
-              <a:t>新的照片 </a:t>
+              <a:t>一張新的照片 </a:t>
             </a:r>
             <a:r>
               <a:rPr lang="en-US" altLang="zh-TW" sz="2000" dirty="0" smtClean="0">
@@ -30263,7 +30032,7 @@
                 <a:ea typeface="微軟正黑體" pitchFamily="34" charset="-120"/>
                 <a:sym typeface="Wingdings" pitchFamily="2" charset="2"/>
               </a:rPr>
-              <a:t>張照片丟給模型學習</a:t>
+              <a:t>張照片給小孩看 </a:t>
             </a:r>
             <a:r>
               <a:rPr lang="en-US" altLang="zh-TW" sz="2000" dirty="0" smtClean="0">
@@ -30286,55 +30055,6 @@
                 <a:sym typeface="Wingdings" pitchFamily="2" charset="2"/>
               </a:rPr>
               <a:t>訓練模型的過程</a:t>
-            </a:r>
-            <a:endParaRPr lang="en-US" altLang="zh-TW" sz="2000" b="1" dirty="0" smtClean="0">
-              <a:solidFill>
-                <a:srgbClr val="FF0000"/>
-              </a:solidFill>
-              <a:latin typeface="微軟正黑體" pitchFamily="34" charset="-120"/>
-              <a:ea typeface="微軟正黑體" pitchFamily="34" charset="-120"/>
-              <a:sym typeface="Wingdings" pitchFamily="2" charset="2"/>
-            </a:endParaRPr>
-          </a:p>
-          <a:p>
-            <a:pPr>
-              <a:buFont typeface="Arial" pitchFamily="34" charset="0"/>
-              <a:buChar char="•"/>
-            </a:pPr>
-            <a:endParaRPr lang="en-US" altLang="zh-TW" sz="2000" b="1" dirty="0" smtClean="0">
-              <a:solidFill>
-                <a:srgbClr val="FF0000"/>
-              </a:solidFill>
-              <a:latin typeface="微軟正黑體" pitchFamily="34" charset="-120"/>
-              <a:ea typeface="微軟正黑體" pitchFamily="34" charset="-120"/>
-              <a:sym typeface="Wingdings" pitchFamily="2" charset="2"/>
-            </a:endParaRPr>
-          </a:p>
-          <a:p>
-            <a:pPr>
-              <a:buFont typeface="Arial" pitchFamily="34" charset="0"/>
-              <a:buChar char="•"/>
-            </a:pPr>
-            <a:endParaRPr lang="en-US" altLang="zh-TW" sz="2000" b="1" dirty="0" smtClean="0">
-              <a:solidFill>
-                <a:srgbClr val="FF0000"/>
-              </a:solidFill>
-              <a:latin typeface="微軟正黑體" pitchFamily="34" charset="-120"/>
-              <a:ea typeface="微軟正黑體" pitchFamily="34" charset="-120"/>
-              <a:sym typeface="Wingdings" pitchFamily="2" charset="2"/>
-            </a:endParaRPr>
-          </a:p>
-          <a:p>
-            <a:r>
-              <a:rPr lang="zh-TW" altLang="en-US" sz="2000" b="1" dirty="0" smtClean="0">
-                <a:solidFill>
-                  <a:srgbClr val="FF0000"/>
-                </a:solidFill>
-                <a:latin typeface="微軟正黑體" pitchFamily="34" charset="-120"/>
-                <a:ea typeface="微軟正黑體" pitchFamily="34" charset="-120"/>
-                <a:sym typeface="Wingdings" pitchFamily="2" charset="2"/>
-              </a:rPr>
-              <a:t>但電腦程式要怎麼學？</a:t>
             </a:r>
             <a:endParaRPr lang="en-US" altLang="zh-TW" sz="2000" b="1" dirty="0" smtClean="0">
               <a:solidFill>
@@ -30433,7 +30153,17 @@
                 <a:latin typeface="微軟正黑體" pitchFamily="34" charset="-120"/>
                 <a:ea typeface="微軟正黑體" pitchFamily="34" charset="-120"/>
               </a:rPr>
-              <a:t>小孩怎麼學？</a:t>
+              <a:t>監督式學習</a:t>
+            </a:r>
+            <a:r>
+              <a:rPr lang="en-US" altLang="zh-TW" b="1" dirty="0" smtClean="0">
+                <a:solidFill>
+                  <a:srgbClr val="0070C0"/>
+                </a:solidFill>
+                <a:latin typeface="微軟正黑體" pitchFamily="34" charset="-120"/>
+                <a:ea typeface="微軟正黑體" pitchFamily="34" charset="-120"/>
+              </a:rPr>
+              <a:t>(Supervised Learning)</a:t>
             </a:r>
             <a:endParaRPr b="1" dirty="0">
               <a:solidFill>
@@ -30454,7 +30184,7 @@
         <p:spPr>
           <a:xfrm>
             <a:off x="1331640" y="1995686"/>
-            <a:ext cx="6768752" cy="1323439"/>
+            <a:ext cx="6552728" cy="2862322"/>
           </a:xfrm>
           <a:prstGeom prst="rect">
             <a:avLst/>
@@ -30471,85 +30201,280 @@
               <a:buChar char="•"/>
             </a:pPr>
             <a:r>
+              <a:rPr lang="en-US" altLang="zh-TW" sz="2000" dirty="0" smtClean="0">
+                <a:latin typeface="微軟正黑體" pitchFamily="34" charset="-120"/>
+                <a:ea typeface="微軟正黑體" pitchFamily="34" charset="-120"/>
+              </a:rPr>
+              <a:t>200</a:t>
+            </a:r>
+            <a:r>
               <a:rPr lang="zh-TW" altLang="en-US" sz="2000" dirty="0" smtClean="0">
                 <a:latin typeface="微軟正黑體" pitchFamily="34" charset="-120"/>
                 <a:ea typeface="微軟正黑體" pitchFamily="34" charset="-120"/>
               </a:rPr>
-              <a:t>看了</a:t>
+              <a:t>張照片 </a:t>
             </a:r>
             <a:r>
               <a:rPr lang="en-US" altLang="zh-TW" sz="2000" dirty="0" smtClean="0">
                 <a:latin typeface="微軟正黑體" pitchFamily="34" charset="-120"/>
                 <a:ea typeface="微軟正黑體" pitchFamily="34" charset="-120"/>
-              </a:rPr>
-              <a:t>10</a:t>
-            </a:r>
-            <a:r>
-              <a:rPr lang="zh-TW" altLang="en-US" sz="2000" dirty="0" smtClean="0">
-                <a:latin typeface="微軟正黑體" pitchFamily="34" charset="-120"/>
-                <a:ea typeface="微軟正黑體" pitchFamily="34" charset="-120"/>
-              </a:rPr>
-              <a:t>張狗和貓的照片後，給他看新照片，也許有錯</a:t>
-            </a:r>
-            <a:endParaRPr lang="en-US" altLang="zh-TW" sz="2000" dirty="0" smtClean="0">
-              <a:latin typeface="微軟正黑體" pitchFamily="34" charset="-120"/>
-              <a:ea typeface="微軟正黑體" pitchFamily="34" charset="-120"/>
-            </a:endParaRPr>
-          </a:p>
-          <a:p>
-            <a:pPr>
-              <a:buFont typeface="Arial" pitchFamily="34" charset="0"/>
-              <a:buChar char="•"/>
-            </a:pPr>
-            <a:r>
-              <a:rPr lang="zh-TW" altLang="en-US" sz="2000" dirty="0" smtClean="0">
-                <a:latin typeface="微軟正黑體" pitchFamily="34" charset="-120"/>
-                <a:ea typeface="微軟正黑體" pitchFamily="34" charset="-120"/>
-              </a:rPr>
-              <a:t>但看了</a:t>
-            </a:r>
-            <a:r>
-              <a:rPr lang="en-US" altLang="zh-TW" sz="2000" dirty="0" smtClean="0">
-                <a:latin typeface="微軟正黑體" pitchFamily="34" charset="-120"/>
-                <a:ea typeface="微軟正黑體" pitchFamily="34" charset="-120"/>
-              </a:rPr>
-              <a:t>20</a:t>
-            </a:r>
-            <a:r>
-              <a:rPr lang="zh-TW" altLang="en-US" sz="2000" dirty="0" smtClean="0">
-                <a:latin typeface="微軟正黑體" pitchFamily="34" charset="-120"/>
-                <a:ea typeface="微軟正黑體" pitchFamily="34" charset="-120"/>
-              </a:rPr>
-              <a:t>張後，對的機率越來越高</a:t>
-            </a:r>
-            <a:endParaRPr lang="en-US" altLang="zh-TW" sz="2000" dirty="0" smtClean="0">
-              <a:latin typeface="微軟正黑體" pitchFamily="34" charset="-120"/>
-              <a:ea typeface="微軟正黑體" pitchFamily="34" charset="-120"/>
-            </a:endParaRPr>
-          </a:p>
-          <a:p>
-            <a:pPr>
-              <a:buFont typeface="Arial" pitchFamily="34" charset="0"/>
-              <a:buChar char="•"/>
-            </a:pPr>
-            <a:r>
-              <a:rPr lang="zh-TW" altLang="en-US" sz="2000" dirty="0" smtClean="0">
-                <a:latin typeface="微軟正黑體" pitchFamily="34" charset="-120"/>
-                <a:ea typeface="微軟正黑體" pitchFamily="34" charset="-120"/>
-              </a:rPr>
-              <a:t>中間插一張豹的照片，小孩可能猜錯，但他知道</a:t>
-            </a:r>
-            <a:r>
-              <a:rPr lang="zh-TW" altLang="en-US" sz="2000" dirty="0" smtClean="0">
+                <a:sym typeface="Wingdings" pitchFamily="2" charset="2"/>
+              </a:rPr>
+              <a:t> </a:t>
+            </a:r>
+            <a:r>
+              <a:rPr lang="zh-TW" altLang="en-US" sz="2000" b="1" dirty="0" smtClean="0">
                 <a:solidFill>
                   <a:srgbClr val="FF0000"/>
                 </a:solidFill>
                 <a:latin typeface="微軟正黑體" pitchFamily="34" charset="-120"/>
                 <a:ea typeface="微軟正黑體" pitchFamily="34" charset="-120"/>
-              </a:rPr>
-              <a:t>這不是狗</a:t>
-            </a:r>
-            <a:endParaRPr lang="en-US" altLang="zh-TW" sz="2000" dirty="0" smtClean="0">
+                <a:sym typeface="Wingdings" pitchFamily="2" charset="2"/>
+              </a:rPr>
+              <a:t>訓練集</a:t>
+            </a:r>
+            <a:endParaRPr lang="en-US" altLang="zh-TW" sz="2000" b="1" dirty="0" smtClean="0">
+              <a:solidFill>
+                <a:srgbClr val="FF0000"/>
+              </a:solidFill>
+              <a:latin typeface="微軟正黑體" pitchFamily="34" charset="-120"/>
+              <a:ea typeface="微軟正黑體" pitchFamily="34" charset="-120"/>
+              <a:sym typeface="Wingdings" pitchFamily="2" charset="2"/>
+            </a:endParaRPr>
+          </a:p>
+          <a:p>
+            <a:pPr>
+              <a:buFont typeface="Arial" pitchFamily="34" charset="0"/>
+              <a:buChar char="•"/>
+            </a:pPr>
+            <a:r>
+              <a:rPr lang="zh-TW" altLang="en-US" sz="2000" dirty="0" smtClean="0">
+                <a:latin typeface="微軟正黑體" pitchFamily="34" charset="-120"/>
+                <a:ea typeface="微軟正黑體" pitchFamily="34" charset="-120"/>
+                <a:sym typeface="Wingdings" pitchFamily="2" charset="2"/>
+              </a:rPr>
+              <a:t>狗、貓 </a:t>
+            </a:r>
+            <a:r>
+              <a:rPr lang="en-US" altLang="zh-TW" sz="2000" dirty="0" smtClean="0">
+                <a:latin typeface="微軟正黑體" pitchFamily="34" charset="-120"/>
+                <a:ea typeface="微軟正黑體" pitchFamily="34" charset="-120"/>
+                <a:sym typeface="Wingdings" pitchFamily="2" charset="2"/>
+              </a:rPr>
+              <a:t> </a:t>
+            </a:r>
+            <a:r>
+              <a:rPr lang="zh-TW" altLang="en-US" sz="2000" b="1" dirty="0" smtClean="0">
+                <a:solidFill>
+                  <a:srgbClr val="FF0000"/>
+                </a:solidFill>
+                <a:latin typeface="微軟正黑體" pitchFamily="34" charset="-120"/>
+                <a:ea typeface="微軟正黑體" pitchFamily="34" charset="-120"/>
+                <a:sym typeface="Wingdings" pitchFamily="2" charset="2"/>
+              </a:rPr>
+              <a:t>標記</a:t>
+            </a:r>
+            <a:endParaRPr lang="en-US" altLang="zh-TW" sz="2000" b="1" dirty="0" smtClean="0">
+              <a:solidFill>
+                <a:srgbClr val="FF0000"/>
+              </a:solidFill>
+              <a:latin typeface="微軟正黑體" pitchFamily="34" charset="-120"/>
+              <a:ea typeface="微軟正黑體" pitchFamily="34" charset="-120"/>
+              <a:sym typeface="Wingdings" pitchFamily="2" charset="2"/>
+            </a:endParaRPr>
+          </a:p>
+          <a:p>
+            <a:pPr>
+              <a:buFont typeface="Arial" pitchFamily="34" charset="0"/>
+              <a:buChar char="•"/>
+            </a:pPr>
+            <a:r>
+              <a:rPr lang="zh-TW" altLang="en-US" sz="2000" dirty="0" smtClean="0">
+                <a:latin typeface="微軟正黑體" pitchFamily="34" charset="-120"/>
+                <a:ea typeface="微軟正黑體" pitchFamily="34" charset="-120"/>
+                <a:sym typeface="Wingdings" pitchFamily="2" charset="2"/>
+              </a:rPr>
+              <a:t>電腦程式的類神經網路 </a:t>
+            </a:r>
+            <a:r>
+              <a:rPr lang="en-US" altLang="zh-TW" sz="2000" dirty="0" smtClean="0">
+                <a:latin typeface="微軟正黑體" pitchFamily="34" charset="-120"/>
+                <a:ea typeface="微軟正黑體" pitchFamily="34" charset="-120"/>
+                <a:sym typeface="Wingdings" pitchFamily="2" charset="2"/>
+              </a:rPr>
+              <a:t> </a:t>
+            </a:r>
+            <a:r>
+              <a:rPr lang="zh-TW" altLang="en-US" sz="2000" b="1" dirty="0" smtClean="0">
+                <a:solidFill>
+                  <a:srgbClr val="FF0000"/>
+                </a:solidFill>
+                <a:latin typeface="微軟正黑體" pitchFamily="34" charset="-120"/>
+                <a:ea typeface="微軟正黑體" pitchFamily="34" charset="-120"/>
+                <a:sym typeface="Wingdings" pitchFamily="2" charset="2"/>
+              </a:rPr>
+              <a:t>模型</a:t>
+            </a:r>
+            <a:endParaRPr lang="en-US" altLang="zh-TW" sz="2000" b="1" dirty="0" smtClean="0">
+              <a:solidFill>
+                <a:srgbClr val="FF0000"/>
+              </a:solidFill>
+              <a:latin typeface="微軟正黑體" pitchFamily="34" charset="-120"/>
+              <a:ea typeface="微軟正黑體" pitchFamily="34" charset="-120"/>
+              <a:sym typeface="Wingdings" pitchFamily="2" charset="2"/>
+            </a:endParaRPr>
+          </a:p>
+          <a:p>
+            <a:pPr>
+              <a:buFont typeface="Arial" pitchFamily="34" charset="0"/>
+              <a:buChar char="•"/>
+            </a:pPr>
+            <a:r>
+              <a:rPr lang="zh-TW" altLang="en-US" sz="2000" dirty="0" smtClean="0">
+                <a:latin typeface="微軟正黑體" pitchFamily="34" charset="-120"/>
+                <a:ea typeface="微軟正黑體" pitchFamily="34" charset="-120"/>
+                <a:sym typeface="Wingdings" pitchFamily="2" charset="2"/>
+              </a:rPr>
+              <a:t>新的照片 </a:t>
+            </a:r>
+            <a:r>
+              <a:rPr lang="en-US" altLang="zh-TW" sz="2000" dirty="0" smtClean="0">
+                <a:latin typeface="微軟正黑體" pitchFamily="34" charset="-120"/>
+                <a:ea typeface="微軟正黑體" pitchFamily="34" charset="-120"/>
+                <a:sym typeface="Wingdings" pitchFamily="2" charset="2"/>
+              </a:rPr>
+              <a:t></a:t>
+            </a:r>
+            <a:r>
+              <a:rPr lang="zh-TW" altLang="en-US" sz="2000" b="1" dirty="0" smtClean="0">
+                <a:solidFill>
+                  <a:srgbClr val="FF0000"/>
+                </a:solidFill>
+                <a:latin typeface="微軟正黑體" pitchFamily="34" charset="-120"/>
+                <a:ea typeface="微軟正黑體" pitchFamily="34" charset="-120"/>
+                <a:sym typeface="Wingdings" pitchFamily="2" charset="2"/>
+              </a:rPr>
+              <a:t>測試集</a:t>
+            </a:r>
+            <a:endParaRPr lang="en-US" altLang="zh-TW" sz="2000" b="1" dirty="0" smtClean="0">
+              <a:solidFill>
+                <a:srgbClr val="FF0000"/>
+              </a:solidFill>
+              <a:latin typeface="微軟正黑體" pitchFamily="34" charset="-120"/>
+              <a:ea typeface="微軟正黑體" pitchFamily="34" charset="-120"/>
+              <a:sym typeface="Wingdings" pitchFamily="2" charset="2"/>
+            </a:endParaRPr>
+          </a:p>
+          <a:p>
+            <a:pPr>
+              <a:buFont typeface="Arial" pitchFamily="34" charset="0"/>
+              <a:buChar char="•"/>
+            </a:pPr>
+            <a:r>
+              <a:rPr lang="zh-TW" altLang="en-US" sz="2000" dirty="0" smtClean="0">
+                <a:solidFill>
+                  <a:schemeClr val="tx1"/>
+                </a:solidFill>
+                <a:latin typeface="微軟正黑體" pitchFamily="34" charset="-120"/>
+                <a:ea typeface="微軟正黑體" pitchFamily="34" charset="-120"/>
+                <a:sym typeface="Wingdings" pitchFamily="2" charset="2"/>
+              </a:rPr>
+              <a:t>把</a:t>
+            </a:r>
+            <a:r>
+              <a:rPr lang="en-US" altLang="zh-TW" sz="2000" dirty="0" smtClean="0">
+                <a:solidFill>
+                  <a:schemeClr val="tx1"/>
+                </a:solidFill>
+                <a:latin typeface="微軟正黑體" pitchFamily="34" charset="-120"/>
+                <a:ea typeface="微軟正黑體" pitchFamily="34" charset="-120"/>
+                <a:sym typeface="Wingdings" pitchFamily="2" charset="2"/>
+              </a:rPr>
+              <a:t>200</a:t>
+            </a:r>
+            <a:r>
+              <a:rPr lang="zh-TW" altLang="en-US" sz="2000" dirty="0" smtClean="0">
+                <a:solidFill>
+                  <a:schemeClr val="tx1"/>
+                </a:solidFill>
+                <a:latin typeface="微軟正黑體" pitchFamily="34" charset="-120"/>
+                <a:ea typeface="微軟正黑體" pitchFamily="34" charset="-120"/>
+                <a:sym typeface="Wingdings" pitchFamily="2" charset="2"/>
+              </a:rPr>
+              <a:t>張照片丟給模型學習</a:t>
+            </a:r>
+            <a:r>
+              <a:rPr lang="en-US" altLang="zh-TW" sz="2000" dirty="0" smtClean="0">
+                <a:solidFill>
+                  <a:schemeClr val="tx1"/>
+                </a:solidFill>
+                <a:latin typeface="微軟正黑體" pitchFamily="34" charset="-120"/>
+                <a:ea typeface="微軟正黑體" pitchFamily="34" charset="-120"/>
+                <a:sym typeface="Wingdings" pitchFamily="2" charset="2"/>
+              </a:rPr>
+              <a:t></a:t>
+            </a:r>
+            <a:r>
+              <a:rPr lang="zh-TW" altLang="en-US" sz="2000" b="1" dirty="0" smtClean="0">
+                <a:solidFill>
+                  <a:srgbClr val="FF0000"/>
+                </a:solidFill>
+                <a:latin typeface="微軟正黑體" pitchFamily="34" charset="-120"/>
+                <a:ea typeface="微軟正黑體" pitchFamily="34" charset="-120"/>
+                <a:sym typeface="Wingdings" pitchFamily="2" charset="2"/>
+              </a:rPr>
+              <a:t>訓練模型的過程</a:t>
+            </a:r>
+            <a:endParaRPr lang="en-US" altLang="zh-TW" sz="2000" b="1" dirty="0" smtClean="0">
+              <a:solidFill>
+                <a:srgbClr val="FF0000"/>
+              </a:solidFill>
+              <a:latin typeface="微軟正黑體" pitchFamily="34" charset="-120"/>
+              <a:ea typeface="微軟正黑體" pitchFamily="34" charset="-120"/>
+              <a:sym typeface="Wingdings" pitchFamily="2" charset="2"/>
+            </a:endParaRPr>
+          </a:p>
+          <a:p>
+            <a:pPr>
+              <a:buFont typeface="Arial" pitchFamily="34" charset="0"/>
+              <a:buChar char="•"/>
+            </a:pPr>
+            <a:endParaRPr lang="en-US" altLang="zh-TW" sz="2000" b="1" dirty="0" smtClean="0">
+              <a:solidFill>
+                <a:srgbClr val="FF0000"/>
+              </a:solidFill>
+              <a:latin typeface="微軟正黑體" pitchFamily="34" charset="-120"/>
+              <a:ea typeface="微軟正黑體" pitchFamily="34" charset="-120"/>
+              <a:sym typeface="Wingdings" pitchFamily="2" charset="2"/>
+            </a:endParaRPr>
+          </a:p>
+          <a:p>
+            <a:pPr>
+              <a:buFont typeface="Arial" pitchFamily="34" charset="0"/>
+              <a:buChar char="•"/>
+            </a:pPr>
+            <a:endParaRPr lang="en-US" altLang="zh-TW" sz="2000" b="1" dirty="0" smtClean="0">
+              <a:solidFill>
+                <a:srgbClr val="FF0000"/>
+              </a:solidFill>
+              <a:latin typeface="微軟正黑體" pitchFamily="34" charset="-120"/>
+              <a:ea typeface="微軟正黑體" pitchFamily="34" charset="-120"/>
+              <a:sym typeface="Wingdings" pitchFamily="2" charset="2"/>
+            </a:endParaRPr>
+          </a:p>
+          <a:p>
+            <a:r>
+              <a:rPr lang="zh-TW" altLang="en-US" sz="2000" b="1" dirty="0" smtClean="0">
+                <a:solidFill>
+                  <a:srgbClr val="FF0000"/>
+                </a:solidFill>
+                <a:latin typeface="微軟正黑體" pitchFamily="34" charset="-120"/>
+                <a:ea typeface="微軟正黑體" pitchFamily="34" charset="-120"/>
+                <a:sym typeface="Wingdings" pitchFamily="2" charset="2"/>
+              </a:rPr>
+              <a:t>但電腦程式要怎麼學？</a:t>
+            </a:r>
+            <a:endParaRPr lang="en-US" altLang="zh-TW" sz="2000" b="1" dirty="0" smtClean="0">
               <a:solidFill>
                 <a:srgbClr val="FF0000"/>
               </a:solidFill>
@@ -30558,20 +30483,6 @@
             </a:endParaRPr>
           </a:p>
           <a:p>
-            <a:pPr>
-              <a:buFont typeface="Arial" pitchFamily="34" charset="0"/>
-              <a:buChar char="•"/>
-            </a:pPr>
-            <a:r>
-              <a:rPr lang="zh-TW" altLang="en-US" sz="2000" b="1" dirty="0" smtClean="0">
-                <a:solidFill>
-                  <a:srgbClr val="FF0000"/>
-                </a:solidFill>
-                <a:latin typeface="微軟正黑體" pitchFamily="34" charset="-120"/>
-                <a:ea typeface="微軟正黑體" pitchFamily="34" charset="-120"/>
-              </a:rPr>
-              <a:t>隨著照片的變多，小孩猜對的機率越來越高</a:t>
-            </a:r>
             <a:endParaRPr lang="zh-TW" altLang="en-US" sz="2000" b="1" dirty="0">
               <a:solidFill>
                 <a:srgbClr val="FF0000"/>
@@ -30660,7 +30571,7 @@
                 <a:latin typeface="微軟正黑體" pitchFamily="34" charset="-120"/>
                 <a:ea typeface="微軟正黑體" pitchFamily="34" charset="-120"/>
               </a:rPr>
-              <a:t>機器怎麼學？</a:t>
+              <a:t>小孩怎麼學？</a:t>
             </a:r>
             <a:endParaRPr b="1" dirty="0">
               <a:solidFill>
@@ -30681,6 +30592,233 @@
         <p:spPr>
           <a:xfrm>
             <a:off x="1331640" y="1995686"/>
+            <a:ext cx="6768752" cy="1323439"/>
+          </a:xfrm>
+          <a:prstGeom prst="rect">
+            <a:avLst/>
+          </a:prstGeom>
+        </p:spPr>
+        <p:txBody>
+          <a:bodyPr wrap="square">
+            <a:spAutoFit/>
+          </a:bodyPr>
+          <a:lstStyle/>
+          <a:p>
+            <a:pPr>
+              <a:buFont typeface="Arial" pitchFamily="34" charset="0"/>
+              <a:buChar char="•"/>
+            </a:pPr>
+            <a:r>
+              <a:rPr lang="zh-TW" altLang="en-US" sz="2000" dirty="0" smtClean="0">
+                <a:latin typeface="微軟正黑體" pitchFamily="34" charset="-120"/>
+                <a:ea typeface="微軟正黑體" pitchFamily="34" charset="-120"/>
+              </a:rPr>
+              <a:t>看了</a:t>
+            </a:r>
+            <a:r>
+              <a:rPr lang="en-US" altLang="zh-TW" sz="2000" dirty="0" smtClean="0">
+                <a:latin typeface="微軟正黑體" pitchFamily="34" charset="-120"/>
+                <a:ea typeface="微軟正黑體" pitchFamily="34" charset="-120"/>
+              </a:rPr>
+              <a:t>10</a:t>
+            </a:r>
+            <a:r>
+              <a:rPr lang="zh-TW" altLang="en-US" sz="2000" dirty="0" smtClean="0">
+                <a:latin typeface="微軟正黑體" pitchFamily="34" charset="-120"/>
+                <a:ea typeface="微軟正黑體" pitchFamily="34" charset="-120"/>
+              </a:rPr>
+              <a:t>張狗和貓的照片後，給他看新照片，也許有錯</a:t>
+            </a:r>
+            <a:endParaRPr lang="en-US" altLang="zh-TW" sz="2000" dirty="0" smtClean="0">
+              <a:latin typeface="微軟正黑體" pitchFamily="34" charset="-120"/>
+              <a:ea typeface="微軟正黑體" pitchFamily="34" charset="-120"/>
+            </a:endParaRPr>
+          </a:p>
+          <a:p>
+            <a:pPr>
+              <a:buFont typeface="Arial" pitchFamily="34" charset="0"/>
+              <a:buChar char="•"/>
+            </a:pPr>
+            <a:r>
+              <a:rPr lang="zh-TW" altLang="en-US" sz="2000" dirty="0" smtClean="0">
+                <a:latin typeface="微軟正黑體" pitchFamily="34" charset="-120"/>
+                <a:ea typeface="微軟正黑體" pitchFamily="34" charset="-120"/>
+              </a:rPr>
+              <a:t>但看了</a:t>
+            </a:r>
+            <a:r>
+              <a:rPr lang="en-US" altLang="zh-TW" sz="2000" dirty="0" smtClean="0">
+                <a:latin typeface="微軟正黑體" pitchFamily="34" charset="-120"/>
+                <a:ea typeface="微軟正黑體" pitchFamily="34" charset="-120"/>
+              </a:rPr>
+              <a:t>20</a:t>
+            </a:r>
+            <a:r>
+              <a:rPr lang="zh-TW" altLang="en-US" sz="2000" dirty="0" smtClean="0">
+                <a:latin typeface="微軟正黑體" pitchFamily="34" charset="-120"/>
+                <a:ea typeface="微軟正黑體" pitchFamily="34" charset="-120"/>
+              </a:rPr>
+              <a:t>張後，對的機率越來越高</a:t>
+            </a:r>
+            <a:endParaRPr lang="en-US" altLang="zh-TW" sz="2000" dirty="0" smtClean="0">
+              <a:latin typeface="微軟正黑體" pitchFamily="34" charset="-120"/>
+              <a:ea typeface="微軟正黑體" pitchFamily="34" charset="-120"/>
+            </a:endParaRPr>
+          </a:p>
+          <a:p>
+            <a:pPr>
+              <a:buFont typeface="Arial" pitchFamily="34" charset="0"/>
+              <a:buChar char="•"/>
+            </a:pPr>
+            <a:r>
+              <a:rPr lang="zh-TW" altLang="en-US" sz="2000" dirty="0" smtClean="0">
+                <a:latin typeface="微軟正黑體" pitchFamily="34" charset="-120"/>
+                <a:ea typeface="微軟正黑體" pitchFamily="34" charset="-120"/>
+              </a:rPr>
+              <a:t>中間插一張豹的照片，小孩可能猜錯，但他知道</a:t>
+            </a:r>
+            <a:r>
+              <a:rPr lang="zh-TW" altLang="en-US" sz="2000" dirty="0" smtClean="0">
+                <a:solidFill>
+                  <a:srgbClr val="FF0000"/>
+                </a:solidFill>
+                <a:latin typeface="微軟正黑體" pitchFamily="34" charset="-120"/>
+                <a:ea typeface="微軟正黑體" pitchFamily="34" charset="-120"/>
+              </a:rPr>
+              <a:t>這不是狗</a:t>
+            </a:r>
+            <a:endParaRPr lang="en-US" altLang="zh-TW" sz="2000" dirty="0" smtClean="0">
+              <a:solidFill>
+                <a:srgbClr val="FF0000"/>
+              </a:solidFill>
+              <a:latin typeface="微軟正黑體" pitchFamily="34" charset="-120"/>
+              <a:ea typeface="微軟正黑體" pitchFamily="34" charset="-120"/>
+            </a:endParaRPr>
+          </a:p>
+          <a:p>
+            <a:pPr>
+              <a:buFont typeface="Arial" pitchFamily="34" charset="0"/>
+              <a:buChar char="•"/>
+            </a:pPr>
+            <a:r>
+              <a:rPr lang="zh-TW" altLang="en-US" sz="2000" b="1" dirty="0" smtClean="0">
+                <a:solidFill>
+                  <a:srgbClr val="FF0000"/>
+                </a:solidFill>
+                <a:latin typeface="微軟正黑體" pitchFamily="34" charset="-120"/>
+                <a:ea typeface="微軟正黑體" pitchFamily="34" charset="-120"/>
+              </a:rPr>
+              <a:t>隨著照片的變多，小孩猜對的機率越來越高</a:t>
+            </a:r>
+            <a:endParaRPr lang="zh-TW" altLang="en-US" sz="2000" b="1" dirty="0">
+              <a:solidFill>
+                <a:srgbClr val="FF0000"/>
+              </a:solidFill>
+              <a:latin typeface="微軟正黑體" pitchFamily="34" charset="-120"/>
+              <a:ea typeface="微軟正黑體" pitchFamily="34" charset="-120"/>
+            </a:endParaRPr>
+          </a:p>
+        </p:txBody>
+      </p:sp>
+    </p:spTree>
+  </p:cSld>
+  <p:clrMapOvr>
+    <a:masterClrMapping/>
+  </p:clrMapOvr>
+</p:sld>
+</file>
+
+<file path=ppt/slides/slide37.xml><?xml version="1.0" encoding="utf-8"?>
+<p:sld xmlns:a="http://schemas.openxmlformats.org/drawingml/2006/main" xmlns:r="http://schemas.openxmlformats.org/officeDocument/2006/relationships" xmlns:p="http://schemas.openxmlformats.org/presentationml/2006/main">
+  <p:cSld>
+    <p:spTree>
+      <p:nvGrpSpPr>
+        <p:cNvPr id="1" name="Shape 226"/>
+        <p:cNvGrpSpPr/>
+        <p:nvPr/>
+      </p:nvGrpSpPr>
+      <p:grpSpPr>
+        <a:xfrm>
+          <a:off x="0" y="0"/>
+          <a:ext cx="0" cy="0"/>
+          <a:chOff x="0" y="0"/>
+          <a:chExt cx="0" cy="0"/>
+        </a:xfrm>
+      </p:grpSpPr>
+      <p:sp>
+        <p:nvSpPr>
+          <p:cNvPr id="227" name="Google Shape;227;p48"/>
+          <p:cNvSpPr txBox="1">
+            <a:spLocks noGrp="1"/>
+          </p:cNvSpPr>
+          <p:nvPr>
+            <p:ph type="title"/>
+          </p:nvPr>
+        </p:nvSpPr>
+        <p:spPr>
+          <a:xfrm>
+            <a:off x="467544" y="0"/>
+            <a:ext cx="8280900" cy="1239000"/>
+          </a:xfrm>
+          <a:prstGeom prst="rect">
+            <a:avLst/>
+          </a:prstGeom>
+          <a:noFill/>
+          <a:ln>
+            <a:noFill/>
+          </a:ln>
+        </p:spPr>
+        <p:txBody>
+          <a:bodyPr spcFirstLastPara="1" wrap="square" lIns="20100" tIns="20100" rIns="20100" bIns="20100" anchor="ctr" anchorCtr="0">
+            <a:noAutofit/>
+          </a:bodyPr>
+          <a:lstStyle/>
+          <a:p>
+            <a:pPr marL="0" marR="0" lvl="0" indent="0" algn="ctr" rtl="0">
+              <a:lnSpc>
+                <a:spcPct val="100000"/>
+              </a:lnSpc>
+              <a:spcBef>
+                <a:spcPts val="0"/>
+              </a:spcBef>
+              <a:spcAft>
+                <a:spcPts val="0"/>
+              </a:spcAft>
+              <a:buClr>
+                <a:srgbClr val="000000"/>
+              </a:buClr>
+              <a:buFont typeface="Gill Sans"/>
+              <a:buNone/>
+            </a:pPr>
+            <a:r>
+              <a:rPr lang="zh-TW" altLang="en-US" b="1" dirty="0" smtClean="0">
+                <a:solidFill>
+                  <a:srgbClr val="0070C0"/>
+                </a:solidFill>
+                <a:latin typeface="微軟正黑體" pitchFamily="34" charset="-120"/>
+                <a:ea typeface="微軟正黑體" pitchFamily="34" charset="-120"/>
+              </a:rPr>
+              <a:t>機器怎麼學？</a:t>
+            </a:r>
+            <a:endParaRPr b="1" dirty="0">
+              <a:solidFill>
+                <a:srgbClr val="0070C0"/>
+              </a:solidFill>
+              <a:latin typeface="微軟正黑體" pitchFamily="34" charset="-120"/>
+              <a:ea typeface="微軟正黑體" pitchFamily="34" charset="-120"/>
+            </a:endParaRPr>
+          </a:p>
+        </p:txBody>
+      </p:sp>
+      <p:sp>
+        <p:nvSpPr>
+          <p:cNvPr id="5" name="矩形 4"/>
+          <p:cNvSpPr/>
+          <p:nvPr/>
+        </p:nvSpPr>
+        <p:spPr>
+          <a:xfrm>
+            <a:off x="1331640" y="1563638"/>
             <a:ext cx="7056784" cy="2554545"/>
           </a:xfrm>
           <a:prstGeom prst="rect">
@@ -30751,27 +30889,7 @@
                 <a:latin typeface="微軟正黑體" pitchFamily="34" charset="-120"/>
                 <a:ea typeface="微軟正黑體" pitchFamily="34" charset="-120"/>
               </a:rPr>
-              <a:t>看是否</a:t>
-            </a:r>
-            <a:r>
-              <a:rPr lang="zh-TW" altLang="en-US" sz="2000" dirty="0" smtClean="0">
-                <a:solidFill>
-                  <a:schemeClr val="tx1"/>
-                </a:solidFill>
-                <a:latin typeface="微軟正黑體" pitchFamily="34" charset="-120"/>
-                <a:ea typeface="微軟正黑體" pitchFamily="34" charset="-120"/>
-              </a:rPr>
-              <a:t>隨著參數改變時</a:t>
-            </a:r>
-            <a:r>
-              <a:rPr lang="zh-TW" altLang="en-US" sz="2000" dirty="0" smtClean="0">
-                <a:solidFill>
-                  <a:schemeClr val="tx1"/>
-                </a:solidFill>
-                <a:latin typeface="微軟正黑體" pitchFamily="34" charset="-120"/>
-                <a:ea typeface="微軟正黑體" pitchFamily="34" charset="-120"/>
-              </a:rPr>
-              <a:t>，驗證集的準確率提高</a:t>
+              <a:t>看是否隨著參數改變時，驗證集的準確率提高</a:t>
             </a:r>
             <a:endParaRPr lang="en-US" altLang="zh-TW" sz="2000" dirty="0" smtClean="0">
               <a:solidFill>
@@ -31183,7 +31301,21 @@
                 <a:latin typeface="微軟正黑體" pitchFamily="34" charset="-120"/>
                 <a:ea typeface="微軟正黑體" pitchFamily="34" charset="-120"/>
               </a:rPr>
-              <a:t>神經元的功能是求得輸入向量與權向量的內積後，經一個非線性傳遞函式得到一個純量結果</a:t>
+              <a:t>神經元的功能是求得輸入向量與權向量的內積後，經一個非</a:t>
+            </a:r>
+            <a:r>
+              <a:rPr lang="zh-TW" altLang="en-US" sz="2000" b="1" dirty="0" smtClean="0">
+                <a:latin typeface="微軟正黑體" pitchFamily="34" charset="-120"/>
+                <a:ea typeface="微軟正黑體" pitchFamily="34" charset="-120"/>
+              </a:rPr>
+              <a:t>線性啟動函數得到</a:t>
+            </a:r>
+            <a:r>
+              <a:rPr lang="zh-TW" altLang="en-US" sz="2000" b="1" dirty="0" smtClean="0">
+                <a:latin typeface="微軟正黑體" pitchFamily="34" charset="-120"/>
+                <a:ea typeface="微軟正黑體" pitchFamily="34" charset="-120"/>
+              </a:rPr>
+              <a:t>一個純量結果</a:t>
             </a:r>
             <a:endParaRPr lang="zh-TW" altLang="en-US" sz="2000" b="1" dirty="0">
               <a:latin typeface="微軟正黑體" pitchFamily="34" charset="-120"/>
